--- a/week_5/Presentation_week_5.pptx
+++ b/week_5/Presentation_week_5.pptx
@@ -2,17 +2,23 @@
 <file path=ppt/presentation.xml><?xml version="1.0" encoding="utf-8"?>
 <p:presentation xmlns:a="http://schemas.openxmlformats.org/drawingml/2006/main" xmlns:r="http://schemas.openxmlformats.org/officeDocument/2006/relationships" xmlns:p="http://schemas.openxmlformats.org/presentationml/2006/main" saveSubsetFonts="1" autoCompressPictures="0">
   <p:sldMasterIdLst>
-    <p:sldMasterId id="2147483648" r:id="rId1"/>
+    <p:sldMasterId id="2147483972" r:id="rId1"/>
   </p:sldMasterIdLst>
   <p:notesMasterIdLst>
-    <p:notesMasterId r:id="rId7"/>
+    <p:notesMasterId r:id="rId13"/>
   </p:notesMasterIdLst>
   <p:sldIdLst>
     <p:sldId id="256" r:id="rId2"/>
-    <p:sldId id="257" r:id="rId3"/>
-    <p:sldId id="258" r:id="rId4"/>
-    <p:sldId id="259" r:id="rId5"/>
-    <p:sldId id="260" r:id="rId6"/>
+    <p:sldId id="259" r:id="rId3"/>
+    <p:sldId id="260" r:id="rId4"/>
+    <p:sldId id="262" r:id="rId5"/>
+    <p:sldId id="265" r:id="rId6"/>
+    <p:sldId id="264" r:id="rId7"/>
+    <p:sldId id="266" r:id="rId8"/>
+    <p:sldId id="267" r:id="rId9"/>
+    <p:sldId id="261" r:id="rId10"/>
+    <p:sldId id="263" r:id="rId11"/>
+    <p:sldId id="268" r:id="rId12"/>
   </p:sldIdLst>
   <p:sldSz cx="12192000" cy="6858000"/>
   <p:notesSz cx="6858000" cy="9144000"/>
@@ -111,6 +117,11 @@
       </a:defRPr>
     </a:lvl9pPr>
   </p:defaultTextStyle>
+  <p:extLst>
+    <p:ext uri="{EFAFB233-063F-42B5-8137-9DF3F51BA10A}">
+      <p15:sldGuideLst xmlns:p15="http://schemas.microsoft.com/office/powerpoint/2012/main"/>
+    </p:ext>
+  </p:extLst>
 </p:presentation>
 </file>
 
@@ -593,7 +604,7 @@
               <a:rPr lang="en-US" smtClean="0"/>
               <a:t>Click to edit Master title style</a:t>
             </a:r>
-            <a:endParaRPr lang="en-US"/>
+            <a:endParaRPr lang="en-US" dirty="0"/>
           </a:p>
         </p:txBody>
       </p:sp>
@@ -658,7 +669,7 @@
               <a:rPr lang="en-US" smtClean="0"/>
               <a:t>Click to edit Master subtitle style</a:t>
             </a:r>
-            <a:endParaRPr lang="en-US"/>
+            <a:endParaRPr lang="en-US" dirty="0"/>
           </a:p>
         </p:txBody>
       </p:sp>
@@ -730,7 +741,7 @@
     </p:spTree>
     <p:extLst>
       <p:ext uri="{BB962C8B-B14F-4D97-AF65-F5344CB8AC3E}">
-        <p14:creationId xmlns:p14="http://schemas.microsoft.com/office/powerpoint/2010/main" val="704956641"/>
+        <p14:creationId xmlns:p14="http://schemas.microsoft.com/office/powerpoint/2010/main" val="1157545065"/>
       </p:ext>
     </p:extLst>
   </p:cSld>
@@ -776,7 +787,7 @@
               <a:rPr lang="en-US" smtClean="0"/>
               <a:t>Click to edit Master title style</a:t>
             </a:r>
-            <a:endParaRPr lang="en-US"/>
+            <a:endParaRPr lang="en-US" dirty="0"/>
           </a:p>
         </p:txBody>
       </p:sp>
@@ -828,7 +839,7 @@
               <a:rPr lang="en-US" smtClean="0"/>
               <a:t>Fifth level</a:t>
             </a:r>
-            <a:endParaRPr lang="en-US"/>
+            <a:endParaRPr lang="en-US" dirty="0"/>
           </a:p>
         </p:txBody>
       </p:sp>
@@ -900,7 +911,7 @@
     </p:spTree>
     <p:extLst>
       <p:ext uri="{BB962C8B-B14F-4D97-AF65-F5344CB8AC3E}">
-        <p14:creationId xmlns:p14="http://schemas.microsoft.com/office/powerpoint/2010/main" val="509902344"/>
+        <p14:creationId xmlns:p14="http://schemas.microsoft.com/office/powerpoint/2010/main" val="533451301"/>
       </p:ext>
     </p:extLst>
   </p:cSld>
@@ -951,7 +962,7 @@
               <a:rPr lang="en-US" smtClean="0"/>
               <a:t>Click to edit Master title style</a:t>
             </a:r>
-            <a:endParaRPr lang="en-US"/>
+            <a:endParaRPr lang="en-US" dirty="0"/>
           </a:p>
         </p:txBody>
       </p:sp>
@@ -1008,7 +1019,7 @@
               <a:rPr lang="en-US" smtClean="0"/>
               <a:t>Fifth level</a:t>
             </a:r>
-            <a:endParaRPr lang="en-US"/>
+            <a:endParaRPr lang="en-US" dirty="0"/>
           </a:p>
         </p:txBody>
       </p:sp>
@@ -1080,7 +1091,7 @@
     </p:spTree>
     <p:extLst>
       <p:ext uri="{BB962C8B-B14F-4D97-AF65-F5344CB8AC3E}">
-        <p14:creationId xmlns:p14="http://schemas.microsoft.com/office/powerpoint/2010/main" val="1468944078"/>
+        <p14:creationId xmlns:p14="http://schemas.microsoft.com/office/powerpoint/2010/main" val="2119273329"/>
       </p:ext>
     </p:extLst>
   </p:cSld>
@@ -1126,7 +1137,7 @@
               <a:rPr lang="en-US" smtClean="0"/>
               <a:t>Click to edit Master title style</a:t>
             </a:r>
-            <a:endParaRPr lang="en-US"/>
+            <a:endParaRPr lang="en-US" dirty="0"/>
           </a:p>
         </p:txBody>
       </p:sp>
@@ -1178,7 +1189,7 @@
               <a:rPr lang="en-US" smtClean="0"/>
               <a:t>Fifth level</a:t>
             </a:r>
-            <a:endParaRPr lang="en-US"/>
+            <a:endParaRPr lang="en-US" dirty="0"/>
           </a:p>
         </p:txBody>
       </p:sp>
@@ -1250,7 +1261,7 @@
     </p:spTree>
     <p:extLst>
       <p:ext uri="{BB962C8B-B14F-4D97-AF65-F5344CB8AC3E}">
-        <p14:creationId xmlns:p14="http://schemas.microsoft.com/office/powerpoint/2010/main" val="1838961910"/>
+        <p14:creationId xmlns:p14="http://schemas.microsoft.com/office/powerpoint/2010/main" val="805549282"/>
       </p:ext>
     </p:extLst>
   </p:cSld>
@@ -1305,7 +1316,7 @@
               <a:rPr lang="en-US" smtClean="0"/>
               <a:t>Click to edit Master title style</a:t>
             </a:r>
-            <a:endParaRPr lang="en-US"/>
+            <a:endParaRPr lang="en-US" dirty="0"/>
           </a:p>
         </p:txBody>
       </p:sp>
@@ -1496,7 +1507,7 @@
     </p:spTree>
     <p:extLst>
       <p:ext uri="{BB962C8B-B14F-4D97-AF65-F5344CB8AC3E}">
-        <p14:creationId xmlns:p14="http://schemas.microsoft.com/office/powerpoint/2010/main" val="1724185396"/>
+        <p14:creationId xmlns:p14="http://schemas.microsoft.com/office/powerpoint/2010/main" val="1129871886"/>
       </p:ext>
     </p:extLst>
   </p:cSld>
@@ -1542,7 +1553,7 @@
               <a:rPr lang="en-US" smtClean="0"/>
               <a:t>Click to edit Master title style</a:t>
             </a:r>
-            <a:endParaRPr lang="en-US"/>
+            <a:endParaRPr lang="en-US" dirty="0"/>
           </a:p>
         </p:txBody>
       </p:sp>
@@ -1599,7 +1610,7 @@
               <a:rPr lang="en-US" smtClean="0"/>
               <a:t>Fifth level</a:t>
             </a:r>
-            <a:endParaRPr lang="en-US"/>
+            <a:endParaRPr lang="en-US" dirty="0"/>
           </a:p>
         </p:txBody>
       </p:sp>
@@ -1656,7 +1667,7 @@
               <a:rPr lang="en-US" smtClean="0"/>
               <a:t>Fifth level</a:t>
             </a:r>
-            <a:endParaRPr lang="en-US"/>
+            <a:endParaRPr lang="en-US" dirty="0"/>
           </a:p>
         </p:txBody>
       </p:sp>
@@ -1728,7 +1739,7 @@
     </p:spTree>
     <p:extLst>
       <p:ext uri="{BB962C8B-B14F-4D97-AF65-F5344CB8AC3E}">
-        <p14:creationId xmlns:p14="http://schemas.microsoft.com/office/powerpoint/2010/main" val="239617954"/>
+        <p14:creationId xmlns:p14="http://schemas.microsoft.com/office/powerpoint/2010/main" val="1706381228"/>
       </p:ext>
     </p:extLst>
   </p:cSld>
@@ -1779,7 +1790,7 @@
               <a:rPr lang="en-US" smtClean="0"/>
               <a:t>Click to edit Master title style</a:t>
             </a:r>
-            <a:endParaRPr lang="en-US"/>
+            <a:endParaRPr lang="en-US" dirty="0"/>
           </a:p>
         </p:txBody>
       </p:sp>
@@ -1901,7 +1912,7 @@
               <a:rPr lang="en-US" smtClean="0"/>
               <a:t>Fifth level</a:t>
             </a:r>
-            <a:endParaRPr lang="en-US"/>
+            <a:endParaRPr lang="en-US" dirty="0"/>
           </a:p>
         </p:txBody>
       </p:sp>
@@ -2023,7 +2034,7 @@
               <a:rPr lang="en-US" smtClean="0"/>
               <a:t>Fifth level</a:t>
             </a:r>
-            <a:endParaRPr lang="en-US"/>
+            <a:endParaRPr lang="en-US" dirty="0"/>
           </a:p>
         </p:txBody>
       </p:sp>
@@ -2095,7 +2106,7 @@
     </p:spTree>
     <p:extLst>
       <p:ext uri="{BB962C8B-B14F-4D97-AF65-F5344CB8AC3E}">
-        <p14:creationId xmlns:p14="http://schemas.microsoft.com/office/powerpoint/2010/main" val="727114753"/>
+        <p14:creationId xmlns:p14="http://schemas.microsoft.com/office/powerpoint/2010/main" val="1652676958"/>
       </p:ext>
     </p:extLst>
   </p:cSld>
@@ -2141,7 +2152,7 @@
               <a:rPr lang="en-US" smtClean="0"/>
               <a:t>Click to edit Master title style</a:t>
             </a:r>
-            <a:endParaRPr lang="en-US"/>
+            <a:endParaRPr lang="en-US" dirty="0"/>
           </a:p>
         </p:txBody>
       </p:sp>
@@ -2213,7 +2224,7 @@
     </p:spTree>
     <p:extLst>
       <p:ext uri="{BB962C8B-B14F-4D97-AF65-F5344CB8AC3E}">
-        <p14:creationId xmlns:p14="http://schemas.microsoft.com/office/powerpoint/2010/main" val="1435702241"/>
+        <p14:creationId xmlns:p14="http://schemas.microsoft.com/office/powerpoint/2010/main" val="988142808"/>
       </p:ext>
     </p:extLst>
   </p:cSld>
@@ -2308,7 +2319,7 @@
     </p:spTree>
     <p:extLst>
       <p:ext uri="{BB962C8B-B14F-4D97-AF65-F5344CB8AC3E}">
-        <p14:creationId xmlns:p14="http://schemas.microsoft.com/office/powerpoint/2010/main" val="721306795"/>
+        <p14:creationId xmlns:p14="http://schemas.microsoft.com/office/powerpoint/2010/main" val="1225131805"/>
       </p:ext>
     </p:extLst>
   </p:cSld>
@@ -2363,7 +2374,7 @@
               <a:rPr lang="en-US" smtClean="0"/>
               <a:t>Click to edit Master title style</a:t>
             </a:r>
-            <a:endParaRPr lang="en-US"/>
+            <a:endParaRPr lang="en-US" dirty="0"/>
           </a:p>
         </p:txBody>
       </p:sp>
@@ -2448,7 +2459,7 @@
               <a:rPr lang="en-US" smtClean="0"/>
               <a:t>Fifth level</a:t>
             </a:r>
-            <a:endParaRPr lang="en-US"/>
+            <a:endParaRPr lang="en-US" dirty="0"/>
           </a:p>
         </p:txBody>
       </p:sp>
@@ -2585,7 +2596,7 @@
     </p:spTree>
     <p:extLst>
       <p:ext uri="{BB962C8B-B14F-4D97-AF65-F5344CB8AC3E}">
-        <p14:creationId xmlns:p14="http://schemas.microsoft.com/office/powerpoint/2010/main" val="458116250"/>
+        <p14:creationId xmlns:p14="http://schemas.microsoft.com/office/powerpoint/2010/main" val="717039199"/>
       </p:ext>
     </p:extLst>
   </p:cSld>
@@ -2640,7 +2651,7 @@
               <a:rPr lang="en-US" smtClean="0"/>
               <a:t>Click to edit Master title style</a:t>
             </a:r>
-            <a:endParaRPr lang="en-US"/>
+            <a:endParaRPr lang="en-US" dirty="0"/>
           </a:p>
         </p:txBody>
       </p:sp>
@@ -2648,7 +2659,7 @@
         <p:nvSpPr>
           <p:cNvPr id="3" name="Picture Placeholder 2"/>
           <p:cNvSpPr>
-            <a:spLocks noGrp="1"/>
+            <a:spLocks noGrp="1" noChangeAspect="1"/>
           </p:cNvSpPr>
           <p:nvPr>
             <p:ph type="pic" idx="1"/>
@@ -2661,7 +2672,7 @@
           </a:xfrm>
         </p:spPr>
         <p:txBody>
-          <a:bodyPr/>
+          <a:bodyPr anchor="t"/>
           <a:lstStyle>
             <a:lvl1pPr marL="0" indent="0">
               <a:buNone/>
@@ -2701,7 +2712,11 @@
             </a:lvl9pPr>
           </a:lstStyle>
           <a:p>
-            <a:endParaRPr lang="en-US"/>
+            <a:r>
+              <a:rPr lang="en-US" smtClean="0"/>
+              <a:t>Drag picture to placeholder or click icon to add</a:t>
+            </a:r>
+            <a:endParaRPr lang="en-US" dirty="0"/>
           </a:p>
         </p:txBody>
       </p:sp>
@@ -2838,7 +2853,7 @@
     </p:spTree>
     <p:extLst>
       <p:ext uri="{BB962C8B-B14F-4D97-AF65-F5344CB8AC3E}">
-        <p14:creationId xmlns:p14="http://schemas.microsoft.com/office/powerpoint/2010/main" val="830939255"/>
+        <p14:creationId xmlns:p14="http://schemas.microsoft.com/office/powerpoint/2010/main" val="1747074276"/>
       </p:ext>
     </p:extLst>
   </p:cSld>
@@ -2899,7 +2914,7 @@
               <a:rPr lang="en-US" smtClean="0"/>
               <a:t>Click to edit Master title style</a:t>
             </a:r>
-            <a:endParaRPr lang="en-US"/>
+            <a:endParaRPr lang="en-US" dirty="0"/>
           </a:p>
         </p:txBody>
       </p:sp>
@@ -2961,7 +2976,7 @@
               <a:rPr lang="en-US" smtClean="0"/>
               <a:t>Fifth level</a:t>
             </a:r>
-            <a:endParaRPr lang="en-US"/>
+            <a:endParaRPr lang="en-US" dirty="0"/>
           </a:p>
         </p:txBody>
       </p:sp>
@@ -3087,23 +3102,23 @@
     </p:spTree>
     <p:extLst>
       <p:ext uri="{BB962C8B-B14F-4D97-AF65-F5344CB8AC3E}">
-        <p14:creationId xmlns:p14="http://schemas.microsoft.com/office/powerpoint/2010/main" val="1147061680"/>
+        <p14:creationId xmlns:p14="http://schemas.microsoft.com/office/powerpoint/2010/main" val="310685446"/>
       </p:ext>
     </p:extLst>
   </p:cSld>
   <p:clrMap bg1="lt1" tx1="dk1" bg2="lt2" tx2="dk2" accent1="accent1" accent2="accent2" accent3="accent3" accent4="accent4" accent5="accent5" accent6="accent6" hlink="hlink" folHlink="folHlink"/>
   <p:sldLayoutIdLst>
-    <p:sldLayoutId id="2147483649" r:id="rId1"/>
-    <p:sldLayoutId id="2147483650" r:id="rId2"/>
-    <p:sldLayoutId id="2147483651" r:id="rId3"/>
-    <p:sldLayoutId id="2147483652" r:id="rId4"/>
-    <p:sldLayoutId id="2147483653" r:id="rId5"/>
-    <p:sldLayoutId id="2147483654" r:id="rId6"/>
-    <p:sldLayoutId id="2147483655" r:id="rId7"/>
-    <p:sldLayoutId id="2147483656" r:id="rId8"/>
-    <p:sldLayoutId id="2147483657" r:id="rId9"/>
-    <p:sldLayoutId id="2147483658" r:id="rId10"/>
-    <p:sldLayoutId id="2147483659" r:id="rId11"/>
+    <p:sldLayoutId id="2147483973" r:id="rId1"/>
+    <p:sldLayoutId id="2147483974" r:id="rId2"/>
+    <p:sldLayoutId id="2147483975" r:id="rId3"/>
+    <p:sldLayoutId id="2147483976" r:id="rId4"/>
+    <p:sldLayoutId id="2147483977" r:id="rId5"/>
+    <p:sldLayoutId id="2147483978" r:id="rId6"/>
+    <p:sldLayoutId id="2147483979" r:id="rId7"/>
+    <p:sldLayoutId id="2147483980" r:id="rId8"/>
+    <p:sldLayoutId id="2147483981" r:id="rId9"/>
+    <p:sldLayoutId id="2147483982" r:id="rId10"/>
+    <p:sldLayoutId id="2147483983" r:id="rId11"/>
   </p:sldLayoutIdLst>
   <p:txStyles>
     <p:titleStyle>
@@ -3133,7 +3148,7 @@
         <a:spcBef>
           <a:spcPts val="1000"/>
         </a:spcBef>
-        <a:buFont typeface="Arial"/>
+        <a:buFont typeface="Arial" panose="020B0604020202020204" pitchFamily="34" charset="0"/>
         <a:buChar char="•"/>
         <a:defRPr sz="2800" kern="1200">
           <a:solidFill>
@@ -3151,7 +3166,7 @@
         <a:spcBef>
           <a:spcPts val="500"/>
         </a:spcBef>
-        <a:buFont typeface="Arial"/>
+        <a:buFont typeface="Arial" panose="020B0604020202020204" pitchFamily="34" charset="0"/>
         <a:buChar char="•"/>
         <a:defRPr sz="2400" kern="1200">
           <a:solidFill>
@@ -3169,7 +3184,7 @@
         <a:spcBef>
           <a:spcPts val="500"/>
         </a:spcBef>
-        <a:buFont typeface="Arial"/>
+        <a:buFont typeface="Arial" panose="020B0604020202020204" pitchFamily="34" charset="0"/>
         <a:buChar char="•"/>
         <a:defRPr sz="2000" kern="1200">
           <a:solidFill>
@@ -3187,7 +3202,7 @@
         <a:spcBef>
           <a:spcPts val="500"/>
         </a:spcBef>
-        <a:buFont typeface="Arial"/>
+        <a:buFont typeface="Arial" panose="020B0604020202020204" pitchFamily="34" charset="0"/>
         <a:buChar char="•"/>
         <a:defRPr sz="1800" kern="1200">
           <a:solidFill>
@@ -3205,7 +3220,7 @@
         <a:spcBef>
           <a:spcPts val="500"/>
         </a:spcBef>
-        <a:buFont typeface="Arial"/>
+        <a:buFont typeface="Arial" panose="020B0604020202020204" pitchFamily="34" charset="0"/>
         <a:buChar char="•"/>
         <a:defRPr sz="1800" kern="1200">
           <a:solidFill>
@@ -3223,7 +3238,7 @@
         <a:spcBef>
           <a:spcPts val="500"/>
         </a:spcBef>
-        <a:buFont typeface="Arial"/>
+        <a:buFont typeface="Arial" panose="020B0604020202020204" pitchFamily="34" charset="0"/>
         <a:buChar char="•"/>
         <a:defRPr sz="1800" kern="1200">
           <a:solidFill>
@@ -3241,7 +3256,7 @@
         <a:spcBef>
           <a:spcPts val="500"/>
         </a:spcBef>
-        <a:buFont typeface="Arial"/>
+        <a:buFont typeface="Arial" panose="020B0604020202020204" pitchFamily="34" charset="0"/>
         <a:buChar char="•"/>
         <a:defRPr sz="1800" kern="1200">
           <a:solidFill>
@@ -3259,7 +3274,7 @@
         <a:spcBef>
           <a:spcPts val="500"/>
         </a:spcBef>
-        <a:buFont typeface="Arial"/>
+        <a:buFont typeface="Arial" panose="020B0604020202020204" pitchFamily="34" charset="0"/>
         <a:buChar char="•"/>
         <a:defRPr sz="1800" kern="1200">
           <a:solidFill>
@@ -3277,7 +3292,7 @@
         <a:spcBef>
           <a:spcPts val="500"/>
         </a:spcBef>
-        <a:buFont typeface="Arial"/>
+        <a:buFont typeface="Arial" panose="020B0604020202020204" pitchFamily="34" charset="0"/>
         <a:buChar char="•"/>
         <a:defRPr sz="1800" kern="1200">
           <a:solidFill>
@@ -3391,6 +3406,17 @@
 <file path=ppt/slides/slide1.xml><?xml version="1.0" encoding="utf-8"?>
 <p:sld xmlns:a="http://schemas.openxmlformats.org/drawingml/2006/main" xmlns:r="http://schemas.openxmlformats.org/officeDocument/2006/relationships" xmlns:p="http://schemas.openxmlformats.org/presentationml/2006/main">
   <p:cSld>
+    <p:bg>
+      <p:bgPr>
+        <a:solidFill>
+          <a:schemeClr val="accent1">
+            <a:lumMod val="20000"/>
+            <a:lumOff val="80000"/>
+          </a:schemeClr>
+        </a:solidFill>
+        <a:effectLst/>
+      </p:bgPr>
+    </p:bg>
     <p:spTree>
       <p:nvGrpSpPr>
         <p:cNvPr id="1" name=""/>
@@ -3421,10 +3447,14 @@
           <a:lstStyle/>
           <a:p>
             <a:r>
-              <a:rPr lang="en-US" dirty="0" smtClean="0"/>
-              <a:t>Update 7/12</a:t>
-            </a:r>
-            <a:endParaRPr lang="en-US" dirty="0"/>
+              <a:rPr lang="en-US" b="1" dirty="0" smtClean="0"/>
+              <a:t>Update </a:t>
+            </a:r>
+            <a:r>
+              <a:rPr lang="en-US" b="1" dirty="0" smtClean="0"/>
+              <a:t>7/12/2016</a:t>
+            </a:r>
+            <a:endParaRPr lang="en-US" b="1" dirty="0"/>
           </a:p>
         </p:txBody>
       </p:sp>
@@ -3464,9 +3494,20 @@
 </p:sld>
 </file>
 
-<file path=ppt/slides/slide2.xml><?xml version="1.0" encoding="utf-8"?>
+<file path=ppt/slides/slide10.xml><?xml version="1.0" encoding="utf-8"?>
 <p:sld xmlns:a="http://schemas.openxmlformats.org/drawingml/2006/main" xmlns:r="http://schemas.openxmlformats.org/officeDocument/2006/relationships" xmlns:p="http://schemas.openxmlformats.org/presentationml/2006/main">
   <p:cSld>
+    <p:bg>
+      <p:bgPr>
+        <a:solidFill>
+          <a:schemeClr val="accent1">
+            <a:lumMod val="20000"/>
+            <a:lumOff val="80000"/>
+          </a:schemeClr>
+        </a:solidFill>
+        <a:effectLst/>
+      </p:bgPr>
+    </p:bg>
     <p:spTree>
       <p:nvGrpSpPr>
         <p:cNvPr id="1" name=""/>
@@ -3491,28 +3532,98 @@
             <p:ph type="title"/>
           </p:nvPr>
         </p:nvSpPr>
-        <p:spPr/>
+        <p:spPr>
+          <a:xfrm>
+            <a:off x="838200" y="226902"/>
+            <a:ext cx="10515600" cy="1325563"/>
+          </a:xfrm>
+        </p:spPr>
         <p:txBody>
           <a:bodyPr/>
           <a:lstStyle/>
           <a:p>
             <a:r>
               <a:rPr lang="en-US" dirty="0" smtClean="0"/>
-              <a:t>Create a custom virtual machine?</a:t>
+              <a:t>ACMG Disease Status</a:t>
             </a:r>
             <a:endParaRPr lang="en-US" dirty="0"/>
+          </a:p>
+        </p:txBody>
+      </p:sp>
+      <p:sp>
+        <p:nvSpPr>
+          <p:cNvPr id="3" name="Content Placeholder 2"/>
+          <p:cNvSpPr>
+            <a:spLocks noGrp="1"/>
+          </p:cNvSpPr>
+          <p:nvPr>
+            <p:ph idx="1"/>
+          </p:nvPr>
+        </p:nvSpPr>
+        <p:spPr>
+          <a:xfrm>
+            <a:off x="838200" y="1396392"/>
+            <a:ext cx="10515600" cy="5109339"/>
+          </a:xfrm>
+        </p:spPr>
+        <p:txBody>
+          <a:bodyPr>
+            <a:normAutofit/>
+          </a:bodyPr>
+          <a:lstStyle/>
+          <a:p>
+            <a:r>
+              <a:rPr lang="en-US" dirty="0" smtClean="0"/>
+              <a:t>Multiple diseases implicated for some genes</a:t>
+            </a:r>
+          </a:p>
+          <a:p>
+            <a:endParaRPr lang="en-US" dirty="0"/>
+          </a:p>
+          <a:p>
+            <a:endParaRPr lang="en-US" dirty="0" smtClean="0"/>
+          </a:p>
+          <a:p>
+            <a:endParaRPr lang="en-US" dirty="0"/>
+          </a:p>
+          <a:p>
+            <a:endParaRPr lang="en-US" dirty="0" smtClean="0"/>
+          </a:p>
+          <a:p>
+            <a:endParaRPr lang="en-US" dirty="0"/>
+          </a:p>
+          <a:p>
+            <a:endParaRPr lang="en-US" dirty="0" smtClean="0"/>
+          </a:p>
+          <a:p>
+            <a:endParaRPr lang="en-US" dirty="0"/>
+          </a:p>
+          <a:p>
+            <a:endParaRPr lang="en-US" dirty="0" smtClean="0"/>
+          </a:p>
+          <a:p>
+            <a:r>
+              <a:rPr lang="en-US" dirty="0" smtClean="0"/>
+              <a:t>Do I just </a:t>
+            </a:r>
+            <a:r>
+              <a:rPr lang="en-US" dirty="0" err="1" smtClean="0"/>
+              <a:t>handcode</a:t>
+            </a:r>
+            <a:r>
+              <a:rPr lang="en-US" dirty="0" smtClean="0"/>
+              <a:t> the rest?</a:t>
+            </a:r>
           </a:p>
         </p:txBody>
       </p:sp>
       <p:pic>
         <p:nvPicPr>
-          <p:cNvPr id="4" name="Content Placeholder 3"/>
+          <p:cNvPr id="6" name="Picture 5"/>
           <p:cNvPicPr>
-            <a:picLocks noGrp="1" noChangeAspect="1"/>
+            <a:picLocks noChangeAspect="1"/>
           </p:cNvPicPr>
-          <p:nvPr>
-            <p:ph idx="1"/>
-          </p:nvPr>
+          <p:nvPr/>
         </p:nvPicPr>
         <p:blipFill>
           <a:blip r:embed="rId2"/>
@@ -3522,8 +3633,8 @@
         </p:blipFill>
         <p:spPr>
           <a:xfrm>
-            <a:off x="966349" y="1559810"/>
-            <a:ext cx="6325253" cy="4351338"/>
+            <a:off x="1019331" y="1943881"/>
+            <a:ext cx="6726769" cy="3851890"/>
           </a:xfrm>
           <a:prstGeom prst="rect">
             <a:avLst/>
@@ -3533,7 +3644,7 @@
     </p:spTree>
     <p:extLst>
       <p:ext uri="{BB962C8B-B14F-4D97-AF65-F5344CB8AC3E}">
-        <p14:creationId xmlns:p14="http://schemas.microsoft.com/office/powerpoint/2010/main" val="848173746"/>
+        <p14:creationId xmlns:p14="http://schemas.microsoft.com/office/powerpoint/2010/main" val="1068195712"/>
       </p:ext>
     </p:extLst>
   </p:cSld>
@@ -3543,9 +3654,20 @@
 </p:sld>
 </file>
 
-<file path=ppt/slides/slide3.xml><?xml version="1.0" encoding="utf-8"?>
+<file path=ppt/slides/slide11.xml><?xml version="1.0" encoding="utf-8"?>
 <p:sld xmlns:a="http://schemas.openxmlformats.org/drawingml/2006/main" xmlns:r="http://schemas.openxmlformats.org/officeDocument/2006/relationships" xmlns:p="http://schemas.openxmlformats.org/presentationml/2006/main">
   <p:cSld>
+    <p:bg>
+      <p:bgPr>
+        <a:solidFill>
+          <a:schemeClr val="accent1">
+            <a:lumMod val="20000"/>
+            <a:lumOff val="80000"/>
+          </a:schemeClr>
+        </a:solidFill>
+        <a:effectLst/>
+      </p:bgPr>
+    </p:bg>
     <p:spTree>
       <p:nvGrpSpPr>
         <p:cNvPr id="1" name=""/>
@@ -3572,47 +3694,55 @@
         </p:nvSpPr>
         <p:spPr/>
         <p:txBody>
+          <a:bodyPr>
+            <a:normAutofit/>
+          </a:bodyPr>
+          <a:lstStyle/>
+          <a:p>
+            <a:r>
+              <a:rPr lang="en-US" sz="5400" b="1" dirty="0" smtClean="0"/>
+              <a:t>Question: </a:t>
+            </a:r>
+            <a:endParaRPr lang="en-US" sz="5400" b="1" dirty="0"/>
+          </a:p>
+        </p:txBody>
+      </p:sp>
+      <p:sp>
+        <p:nvSpPr>
+          <p:cNvPr id="3" name="Content Placeholder 2"/>
+          <p:cNvSpPr>
+            <a:spLocks noGrp="1"/>
+          </p:cNvSpPr>
+          <p:nvPr>
+            <p:ph idx="1"/>
+          </p:nvPr>
+        </p:nvSpPr>
+        <p:spPr/>
+        <p:txBody>
           <a:bodyPr/>
           <a:lstStyle/>
           <a:p>
             <a:r>
               <a:rPr lang="en-US" dirty="0" smtClean="0"/>
-              <a:t>20 GB as default</a:t>
-            </a:r>
+              <a:t>What was the issue with allele frequency again</a:t>
+            </a:r>
+            <a:r>
+              <a:rPr lang="en-US" smtClean="0"/>
+              <a:t>? </a:t>
+            </a:r>
+          </a:p>
+          <a:p>
+            <a:endParaRPr lang="en-US" dirty="0" smtClean="0"/>
+          </a:p>
+          <a:p>
             <a:endParaRPr lang="en-US" dirty="0"/>
           </a:p>
         </p:txBody>
       </p:sp>
-      <p:pic>
-        <p:nvPicPr>
-          <p:cNvPr id="5" name="Content Placeholder 4"/>
-          <p:cNvPicPr>
-            <a:picLocks noGrp="1" noChangeAspect="1"/>
-          </p:cNvPicPr>
-          <p:nvPr>
-            <p:ph idx="1"/>
-          </p:nvPr>
-        </p:nvPicPr>
-        <p:blipFill>
-          <a:blip r:embed="rId2"/>
-          <a:stretch>
-            <a:fillRect/>
-          </a:stretch>
-        </p:blipFill>
-        <p:spPr>
-          <a:xfrm>
-            <a:off x="838200" y="1531200"/>
-            <a:ext cx="6032500" cy="4013200"/>
-          </a:xfrm>
-          <a:prstGeom prst="rect">
-            <a:avLst/>
-          </a:prstGeom>
-        </p:spPr>
-      </p:pic>
     </p:spTree>
     <p:extLst>
       <p:ext uri="{BB962C8B-B14F-4D97-AF65-F5344CB8AC3E}">
-        <p14:creationId xmlns:p14="http://schemas.microsoft.com/office/powerpoint/2010/main" val="1534288457"/>
+        <p14:creationId xmlns:p14="http://schemas.microsoft.com/office/powerpoint/2010/main" val="1802267639"/>
       </p:ext>
     </p:extLst>
   </p:cSld>
@@ -3622,9 +3752,20 @@
 </p:sld>
 </file>
 
-<file path=ppt/slides/slide4.xml><?xml version="1.0" encoding="utf-8"?>
+<file path=ppt/slides/slide2.xml><?xml version="1.0" encoding="utf-8"?>
 <p:sld xmlns:a="http://schemas.openxmlformats.org/drawingml/2006/main" xmlns:r="http://schemas.openxmlformats.org/officeDocument/2006/relationships" xmlns:p="http://schemas.openxmlformats.org/presentationml/2006/main">
   <p:cSld>
+    <p:bg>
+      <p:bgPr>
+        <a:solidFill>
+          <a:schemeClr val="accent1">
+            <a:lumMod val="20000"/>
+            <a:lumOff val="80000"/>
+          </a:schemeClr>
+        </a:solidFill>
+        <a:effectLst/>
+      </p:bgPr>
+    </p:bg>
     <p:spTree>
       <p:nvGrpSpPr>
         <p:cNvPr id="1" name=""/>
@@ -3651,18 +3792,44 @@
         </p:nvSpPr>
         <p:spPr/>
         <p:txBody>
-          <a:bodyPr/>
-          <a:lstStyle/>
-          <a:p>
-            <a:r>
-              <a:rPr lang="en-US" dirty="0" err="1" smtClean="0"/>
+          <a:bodyPr>
+            <a:normAutofit/>
+          </a:bodyPr>
+          <a:lstStyle/>
+          <a:p>
+            <a:r>
+              <a:rPr lang="en-US" b="1" dirty="0" err="1" smtClean="0"/>
               <a:t>Tabix</a:t>
             </a:r>
             <a:r>
-              <a:rPr lang="en-US" dirty="0" smtClean="0"/>
-              <a:t> is working great</a:t>
-            </a:r>
-            <a:endParaRPr lang="en-US" dirty="0"/>
+              <a:rPr lang="en-US" b="1" dirty="0" smtClean="0"/>
+              <a:t>/</a:t>
+            </a:r>
+            <a:r>
+              <a:rPr lang="en-US" b="1" dirty="0" err="1" smtClean="0"/>
+              <a:t>vcf</a:t>
+            </a:r>
+            <a:r>
+              <a:rPr lang="en-US" b="1" dirty="0" smtClean="0"/>
+              <a:t>-subset/</a:t>
+            </a:r>
+            <a:r>
+              <a:rPr lang="en-US" b="1" dirty="0" err="1" smtClean="0"/>
+              <a:t>bgzip</a:t>
+            </a:r>
+            <a:r>
+              <a:rPr lang="en-US" b="1" dirty="0" smtClean="0"/>
+              <a:t> on mac </a:t>
+            </a:r>
+            <a:r>
+              <a:rPr lang="en-US" b="1" dirty="0" smtClean="0"/>
+              <a:t>works </a:t>
+            </a:r>
+            <a:r>
+              <a:rPr lang="en-US" b="1" dirty="0" smtClean="0"/>
+              <a:t>great</a:t>
+            </a:r>
+            <a:endParaRPr lang="en-US" b="1" dirty="0"/>
           </a:p>
         </p:txBody>
       </p:sp>
@@ -3684,7 +3851,7 @@
         </p:blipFill>
         <p:spPr>
           <a:xfrm>
-            <a:off x="838200" y="2034877"/>
+            <a:off x="838200" y="1690688"/>
             <a:ext cx="10515600" cy="3932834"/>
           </a:xfrm>
           <a:prstGeom prst="rect">
@@ -3705,9 +3872,20 @@
 </p:sld>
 </file>
 
-<file path=ppt/slides/slide5.xml><?xml version="1.0" encoding="utf-8"?>
+<file path=ppt/slides/slide3.xml><?xml version="1.0" encoding="utf-8"?>
 <p:sld xmlns:a="http://schemas.openxmlformats.org/drawingml/2006/main" xmlns:r="http://schemas.openxmlformats.org/officeDocument/2006/relationships" xmlns:p="http://schemas.openxmlformats.org/presentationml/2006/main">
   <p:cSld>
+    <p:bg>
+      <p:bgPr>
+        <a:solidFill>
+          <a:schemeClr val="accent1">
+            <a:lumMod val="20000"/>
+            <a:lumOff val="80000"/>
+          </a:schemeClr>
+        </a:solidFill>
+        <a:effectLst/>
+      </p:bgPr>
+    </p:bg>
     <p:spTree>
       <p:nvGrpSpPr>
         <p:cNvPr id="1" name=""/>
@@ -3738,10 +3916,14 @@
           <a:lstStyle/>
           <a:p>
             <a:r>
-              <a:rPr lang="en-US" smtClean="0"/>
-              <a:t>Download R</a:t>
-            </a:r>
-            <a:endParaRPr lang="en-US"/>
+              <a:rPr lang="en-US" b="1" dirty="0" smtClean="0"/>
+              <a:t>Ubuntu: Downloaded R and </a:t>
+            </a:r>
+            <a:r>
+              <a:rPr lang="en-US" b="1" dirty="0" err="1" smtClean="0"/>
+              <a:t>tabix</a:t>
+            </a:r>
+            <a:endParaRPr lang="en-US" b="1" dirty="0"/>
           </a:p>
         </p:txBody>
       </p:sp>
@@ -3760,7 +3942,65 @@
           <a:bodyPr/>
           <a:lstStyle/>
           <a:p>
-            <a:endParaRPr lang="en-US"/>
+            <a:r>
+              <a:rPr lang="en-US" dirty="0" smtClean="0"/>
+              <a:t>Takes up 7GB, around 7</a:t>
+            </a:r>
+            <a:r>
+              <a:rPr lang="en-US" dirty="0" smtClean="0"/>
+              <a:t> GB remaining</a:t>
+            </a:r>
+          </a:p>
+          <a:p>
+            <a:r>
+              <a:rPr lang="en-US" dirty="0" smtClean="0"/>
+              <a:t>Confirmed: R opens properly</a:t>
+            </a:r>
+          </a:p>
+          <a:p>
+            <a:r>
+              <a:rPr lang="en-US" dirty="0" smtClean="0"/>
+              <a:t>Confirmed: </a:t>
+            </a:r>
+            <a:r>
+              <a:rPr lang="en-US" dirty="0" err="1" smtClean="0"/>
+              <a:t>tabix</a:t>
+            </a:r>
+            <a:r>
+              <a:rPr lang="en-US" dirty="0" smtClean="0"/>
+              <a:t> works properly with </a:t>
+            </a:r>
+            <a:r>
+              <a:rPr lang="en-US" dirty="0" err="1" smtClean="0"/>
+              <a:t>vcf</a:t>
+            </a:r>
+            <a:r>
+              <a:rPr lang="en-US" dirty="0" smtClean="0"/>
+              <a:t>-subset and </a:t>
+            </a:r>
+            <a:r>
+              <a:rPr lang="en-US" dirty="0" err="1" smtClean="0"/>
+              <a:t>bgzip</a:t>
+            </a:r>
+            <a:r>
+              <a:rPr lang="en-US" dirty="0" smtClean="0"/>
+              <a:t>. </a:t>
+            </a:r>
+          </a:p>
+          <a:p>
+            <a:r>
+              <a:rPr lang="en-US" dirty="0" smtClean="0"/>
+              <a:t>Unsure about anaconda: seems like a much larger file. </a:t>
+            </a:r>
+          </a:p>
+          <a:p>
+            <a:endParaRPr lang="en-US" dirty="0" smtClean="0"/>
+          </a:p>
+          <a:p>
+            <a:endParaRPr lang="en-US" dirty="0" smtClean="0"/>
+          </a:p>
+          <a:p>
+            <a:endParaRPr lang="en-US" dirty="0"/>
           </a:p>
         </p:txBody>
       </p:sp>
@@ -3777,10 +4017,1278 @@
 </p:sld>
 </file>
 
+<file path=ppt/slides/slide4.xml><?xml version="1.0" encoding="utf-8"?>
+<p:sld xmlns:a="http://schemas.openxmlformats.org/drawingml/2006/main" xmlns:r="http://schemas.openxmlformats.org/officeDocument/2006/relationships" xmlns:p="http://schemas.openxmlformats.org/presentationml/2006/main">
+  <p:cSld>
+    <p:bg>
+      <p:bgPr>
+        <a:solidFill>
+          <a:schemeClr val="accent1">
+            <a:lumMod val="20000"/>
+            <a:lumOff val="80000"/>
+          </a:schemeClr>
+        </a:solidFill>
+        <a:effectLst/>
+      </p:bgPr>
+    </p:bg>
+    <p:spTree>
+      <p:nvGrpSpPr>
+        <p:cNvPr id="1" name=""/>
+        <p:cNvGrpSpPr/>
+        <p:nvPr/>
+      </p:nvGrpSpPr>
+      <p:grpSpPr>
+        <a:xfrm>
+          <a:off x="0" y="0"/>
+          <a:ext cx="0" cy="0"/>
+          <a:chOff x="0" y="0"/>
+          <a:chExt cx="0" cy="0"/>
+        </a:xfrm>
+      </p:grpSpPr>
+      <p:sp>
+        <p:nvSpPr>
+          <p:cNvPr id="2" name="Title 1"/>
+          <p:cNvSpPr>
+            <a:spLocks noGrp="1"/>
+          </p:cNvSpPr>
+          <p:nvPr>
+            <p:ph type="title"/>
+          </p:nvPr>
+        </p:nvSpPr>
+        <p:spPr/>
+        <p:txBody>
+          <a:bodyPr>
+            <a:normAutofit/>
+          </a:bodyPr>
+          <a:lstStyle/>
+          <a:p>
+            <a:r>
+              <a:rPr lang="en-US" sz="4800" b="1" dirty="0" smtClean="0"/>
+              <a:t>Downloading VCF</a:t>
+            </a:r>
+            <a:endParaRPr lang="en-US" sz="4800" b="1" dirty="0"/>
+          </a:p>
+        </p:txBody>
+      </p:sp>
+      <p:sp>
+        <p:nvSpPr>
+          <p:cNvPr id="3" name="Content Placeholder 2"/>
+          <p:cNvSpPr>
+            <a:spLocks noGrp="1"/>
+          </p:cNvSpPr>
+          <p:nvPr>
+            <p:ph idx="1"/>
+          </p:nvPr>
+        </p:nvSpPr>
+        <p:spPr>
+          <a:xfrm>
+            <a:off x="529855" y="1690688"/>
+            <a:ext cx="11410507" cy="4351338"/>
+          </a:xfrm>
+        </p:spPr>
+        <p:txBody>
+          <a:bodyPr>
+            <a:normAutofit/>
+          </a:bodyPr>
+          <a:lstStyle/>
+          <a:p>
+            <a:r>
+              <a:rPr lang="en-US" sz="3200" b="1" u="sng" dirty="0" smtClean="0"/>
+              <a:t>ExAC</a:t>
+            </a:r>
+            <a:r>
+              <a:rPr lang="en-US" sz="3200" dirty="0" smtClean="0"/>
+              <a:t>: by hand</a:t>
+            </a:r>
+          </a:p>
+          <a:p>
+            <a:r>
+              <a:rPr lang="en-US" sz="3200" b="1" u="sng" dirty="0" smtClean="0"/>
+              <a:t>1000 genomes</a:t>
+            </a:r>
+            <a:r>
+              <a:rPr lang="en-US" sz="3200" dirty="0" smtClean="0"/>
+              <a:t>:</a:t>
+            </a:r>
+          </a:p>
+          <a:p>
+            <a:pPr lvl="1"/>
+            <a:r>
+              <a:rPr lang="en-US" sz="3200" dirty="0" smtClean="0"/>
+              <a:t>Scrape </a:t>
+            </a:r>
+            <a:r>
+              <a:rPr lang="en-US" sz="3200" dirty="0"/>
+              <a:t>ACMG website for gene names and associated </a:t>
+            </a:r>
+            <a:r>
+              <a:rPr lang="en-US" sz="3200" dirty="0" smtClean="0"/>
+              <a:t>diseases.</a:t>
+            </a:r>
+          </a:p>
+          <a:p>
+            <a:pPr lvl="1"/>
+            <a:r>
+              <a:rPr lang="en-US" sz="3200" dirty="0"/>
+              <a:t>Connecting USCS Genome Browser to </a:t>
+            </a:r>
+            <a:r>
+              <a:rPr lang="en-US" sz="3200" dirty="0" smtClean="0"/>
+              <a:t>get gene </a:t>
+            </a:r>
+            <a:r>
+              <a:rPr lang="en-US" sz="3200" dirty="0"/>
+              <a:t>info: </a:t>
+            </a:r>
+            <a:r>
+              <a:rPr lang="en-US" sz="3200" dirty="0" smtClean="0"/>
+              <a:t/>
+            </a:r>
+            <a:br>
+              <a:rPr lang="en-US" sz="3200" dirty="0" smtClean="0"/>
+            </a:br>
+            <a:r>
+              <a:rPr lang="en-US" sz="3200" dirty="0" err="1" smtClean="0"/>
+              <a:t>chrom</a:t>
+            </a:r>
+            <a:r>
+              <a:rPr lang="en-US" sz="3200" dirty="0"/>
+              <a:t>, start, </a:t>
+            </a:r>
+            <a:r>
+              <a:rPr lang="en-US" sz="3200" dirty="0" smtClean="0"/>
+              <a:t>stop.</a:t>
+            </a:r>
+          </a:p>
+          <a:p>
+            <a:pPr lvl="1"/>
+            <a:r>
+              <a:rPr lang="en-US" sz="3200" dirty="0" smtClean="0"/>
+              <a:t>Use </a:t>
+            </a:r>
+            <a:r>
+              <a:rPr lang="en-US" sz="3200" dirty="0" err="1" smtClean="0"/>
+              <a:t>Tabix</a:t>
+            </a:r>
+            <a:endParaRPr lang="en-US" sz="3200" dirty="0" smtClean="0"/>
+          </a:p>
+        </p:txBody>
+      </p:sp>
+    </p:spTree>
+    <p:extLst>
+      <p:ext uri="{BB962C8B-B14F-4D97-AF65-F5344CB8AC3E}">
+        <p14:creationId xmlns:p14="http://schemas.microsoft.com/office/powerpoint/2010/main" val="432867870"/>
+      </p:ext>
+    </p:extLst>
+  </p:cSld>
+  <p:clrMapOvr>
+    <a:masterClrMapping/>
+  </p:clrMapOvr>
+</p:sld>
+</file>
+
+<file path=ppt/slides/slide5.xml><?xml version="1.0" encoding="utf-8"?>
+<p:sld xmlns:a="http://schemas.openxmlformats.org/drawingml/2006/main" xmlns:r="http://schemas.openxmlformats.org/officeDocument/2006/relationships" xmlns:p="http://schemas.openxmlformats.org/presentationml/2006/main">
+  <p:cSld>
+    <p:bg>
+      <p:bgPr>
+        <a:solidFill>
+          <a:schemeClr val="accent1">
+            <a:lumMod val="20000"/>
+            <a:lumOff val="80000"/>
+          </a:schemeClr>
+        </a:solidFill>
+        <a:effectLst/>
+      </p:bgPr>
+    </p:bg>
+    <p:spTree>
+      <p:nvGrpSpPr>
+        <p:cNvPr id="1" name=""/>
+        <p:cNvGrpSpPr/>
+        <p:nvPr/>
+      </p:nvGrpSpPr>
+      <p:grpSpPr>
+        <a:xfrm>
+          <a:off x="0" y="0"/>
+          <a:ext cx="0" cy="0"/>
+          <a:chOff x="0" y="0"/>
+          <a:chExt cx="0" cy="0"/>
+        </a:xfrm>
+      </p:grpSpPr>
+      <p:sp>
+        <p:nvSpPr>
+          <p:cNvPr id="2" name="Title 1"/>
+          <p:cNvSpPr>
+            <a:spLocks noGrp="1"/>
+          </p:cNvSpPr>
+          <p:nvPr>
+            <p:ph type="title"/>
+          </p:nvPr>
+        </p:nvSpPr>
+        <p:spPr/>
+        <p:txBody>
+          <a:bodyPr/>
+          <a:lstStyle/>
+          <a:p>
+            <a:r>
+              <a:rPr lang="en-US" b="1" dirty="0" smtClean="0"/>
+              <a:t>Scrape for ACMG</a:t>
+            </a:r>
+            <a:endParaRPr lang="en-US" b="1" dirty="0"/>
+          </a:p>
+        </p:txBody>
+      </p:sp>
+      <p:pic>
+        <p:nvPicPr>
+          <p:cNvPr id="4" name="Content Placeholder 3"/>
+          <p:cNvPicPr>
+            <a:picLocks noGrp="1" noChangeAspect="1"/>
+          </p:cNvPicPr>
+          <p:nvPr>
+            <p:ph idx="1"/>
+          </p:nvPr>
+        </p:nvPicPr>
+        <p:blipFill>
+          <a:blip r:embed="rId2"/>
+          <a:stretch>
+            <a:fillRect/>
+          </a:stretch>
+        </p:blipFill>
+        <p:spPr>
+          <a:xfrm>
+            <a:off x="838200" y="2341027"/>
+            <a:ext cx="8369300" cy="3505200"/>
+          </a:xfrm>
+          <a:prstGeom prst="rect">
+            <a:avLst/>
+          </a:prstGeom>
+        </p:spPr>
+      </p:pic>
+      <p:sp>
+        <p:nvSpPr>
+          <p:cNvPr id="5" name="TextBox 4"/>
+          <p:cNvSpPr txBox="1"/>
+          <p:nvPr/>
+        </p:nvSpPr>
+        <p:spPr>
+          <a:xfrm>
+            <a:off x="838200" y="1690688"/>
+            <a:ext cx="10023898" cy="461665"/>
+          </a:xfrm>
+          <a:prstGeom prst="rect">
+            <a:avLst/>
+          </a:prstGeom>
+          <a:noFill/>
+        </p:spPr>
+        <p:txBody>
+          <a:bodyPr wrap="none" rtlCol="0">
+            <a:spAutoFit/>
+          </a:bodyPr>
+          <a:lstStyle/>
+          <a:p>
+            <a:r>
+              <a:rPr lang="en-US" sz="2400" dirty="0" err="1"/>
+              <a:t>ACMG.page</a:t>
+            </a:r>
+            <a:r>
+              <a:rPr lang="en-US" sz="2400" dirty="0"/>
+              <a:t> &lt;- scrape(</a:t>
+            </a:r>
+            <a:r>
+              <a:rPr lang="en-US" sz="2400" dirty="0" err="1"/>
+              <a:t>url</a:t>
+            </a:r>
+            <a:r>
+              <a:rPr lang="en-US" sz="2400" dirty="0"/>
+              <a:t> ="http://</a:t>
+            </a:r>
+            <a:r>
+              <a:rPr lang="en-US" sz="2400" dirty="0" err="1"/>
+              <a:t>www.ncbi.nlm.nih.gov</a:t>
+            </a:r>
+            <a:r>
+              <a:rPr lang="en-US" sz="2400" dirty="0"/>
+              <a:t>/</a:t>
+            </a:r>
+            <a:r>
+              <a:rPr lang="en-US" sz="2400" dirty="0" err="1"/>
+              <a:t>clinvar</a:t>
+            </a:r>
+            <a:r>
+              <a:rPr lang="en-US" sz="2400" dirty="0"/>
+              <a:t>/docs/</a:t>
+            </a:r>
+            <a:r>
+              <a:rPr lang="en-US" sz="2400" dirty="0" err="1"/>
+              <a:t>acmg</a:t>
+            </a:r>
+            <a:r>
+              <a:rPr lang="en-US" sz="2400" dirty="0"/>
+              <a:t>/")</a:t>
+            </a:r>
+          </a:p>
+        </p:txBody>
+      </p:sp>
+    </p:spTree>
+    <p:extLst>
+      <p:ext uri="{BB962C8B-B14F-4D97-AF65-F5344CB8AC3E}">
+        <p14:creationId xmlns:p14="http://schemas.microsoft.com/office/powerpoint/2010/main" val="750244849"/>
+      </p:ext>
+    </p:extLst>
+  </p:cSld>
+  <p:clrMapOvr>
+    <a:masterClrMapping/>
+  </p:clrMapOvr>
+</p:sld>
+</file>
+
+<file path=ppt/slides/slide6.xml><?xml version="1.0" encoding="utf-8"?>
+<p:sld xmlns:a="http://schemas.openxmlformats.org/drawingml/2006/main" xmlns:r="http://schemas.openxmlformats.org/officeDocument/2006/relationships" xmlns:p="http://schemas.openxmlformats.org/presentationml/2006/main">
+  <p:cSld>
+    <p:bg>
+      <p:bgPr>
+        <a:solidFill>
+          <a:schemeClr val="accent1">
+            <a:lumMod val="20000"/>
+            <a:lumOff val="80000"/>
+          </a:schemeClr>
+        </a:solidFill>
+        <a:effectLst/>
+      </p:bgPr>
+    </p:bg>
+    <p:spTree>
+      <p:nvGrpSpPr>
+        <p:cNvPr id="1" name=""/>
+        <p:cNvGrpSpPr/>
+        <p:nvPr/>
+      </p:nvGrpSpPr>
+      <p:grpSpPr>
+        <a:xfrm>
+          <a:off x="0" y="0"/>
+          <a:ext cx="0" cy="0"/>
+          <a:chOff x="0" y="0"/>
+          <a:chExt cx="0" cy="0"/>
+        </a:xfrm>
+      </p:grpSpPr>
+      <p:sp>
+        <p:nvSpPr>
+          <p:cNvPr id="2" name="Title 1"/>
+          <p:cNvSpPr>
+            <a:spLocks noGrp="1"/>
+          </p:cNvSpPr>
+          <p:nvPr>
+            <p:ph type="title"/>
+          </p:nvPr>
+        </p:nvSpPr>
+        <p:spPr/>
+        <p:txBody>
+          <a:bodyPr>
+            <a:normAutofit/>
+          </a:bodyPr>
+          <a:lstStyle/>
+          <a:p>
+            <a:r>
+              <a:rPr lang="en-US" sz="5400" b="1" dirty="0"/>
+              <a:t>Connect to UCSC Genome </a:t>
+            </a:r>
+            <a:r>
+              <a:rPr lang="en-US" sz="5400" b="1" dirty="0" smtClean="0"/>
+              <a:t>Browser</a:t>
+            </a:r>
+            <a:endParaRPr lang="en-US" sz="5400" b="1" dirty="0"/>
+          </a:p>
+        </p:txBody>
+      </p:sp>
+      <p:sp>
+        <p:nvSpPr>
+          <p:cNvPr id="3" name="Content Placeholder 2"/>
+          <p:cNvSpPr>
+            <a:spLocks noGrp="1"/>
+          </p:cNvSpPr>
+          <p:nvPr>
+            <p:ph idx="1"/>
+          </p:nvPr>
+        </p:nvSpPr>
+        <p:spPr>
+          <a:xfrm>
+            <a:off x="838200" y="1516566"/>
+            <a:ext cx="10515600" cy="4660397"/>
+          </a:xfrm>
+        </p:spPr>
+        <p:txBody>
+          <a:bodyPr>
+            <a:normAutofit/>
+          </a:bodyPr>
+          <a:lstStyle/>
+          <a:p>
+            <a:r>
+              <a:rPr lang="en-US" sz="3200" dirty="0" smtClean="0"/>
+              <a:t>Step 1: Connect to UCSC Genome Browser: </a:t>
+            </a:r>
+            <a:br>
+              <a:rPr lang="en-US" sz="3200" dirty="0" smtClean="0"/>
+            </a:br>
+            <a:r>
+              <a:rPr lang="en-US" sz="3200" dirty="0" smtClean="0"/>
+              <a:t> </a:t>
+            </a:r>
+            <a:r>
+              <a:rPr lang="en-US" sz="3200" dirty="0" err="1" smtClean="0"/>
+              <a:t>chrom</a:t>
+            </a:r>
+            <a:r>
+              <a:rPr lang="en-US" sz="3200" dirty="0" smtClean="0"/>
+              <a:t>/start/stop</a:t>
+            </a:r>
+          </a:p>
+          <a:p>
+            <a:r>
+              <a:rPr lang="en-US" sz="3200" dirty="0"/>
+              <a:t>Step 2: Query from a table: </a:t>
+            </a:r>
+            <a:r>
+              <a:rPr lang="en-US" sz="3200" dirty="0" err="1"/>
+              <a:t>RefGene</a:t>
+            </a:r>
+            <a:r>
+              <a:rPr lang="en-US" sz="3200" dirty="0"/>
+              <a:t> or </a:t>
+            </a:r>
+            <a:r>
+              <a:rPr lang="en-US" sz="3200" dirty="0" err="1"/>
+              <a:t>GeneReviews</a:t>
+            </a:r>
+            <a:endParaRPr lang="en-US" sz="3200" dirty="0"/>
+          </a:p>
+          <a:p>
+            <a:pPr lvl="1"/>
+            <a:r>
+              <a:rPr lang="en-US" sz="2800" dirty="0" err="1"/>
+              <a:t>GeneReviews</a:t>
+            </a:r>
+            <a:r>
+              <a:rPr lang="en-US" sz="2800" dirty="0"/>
+              <a:t> generally has 1 entry per gene; missing PRKAG2</a:t>
+            </a:r>
+          </a:p>
+          <a:p>
+            <a:pPr lvl="1"/>
+            <a:r>
+              <a:rPr lang="en-US" sz="2800" dirty="0" err="1"/>
+              <a:t>RefGene</a:t>
+            </a:r>
+            <a:r>
+              <a:rPr lang="en-US" sz="2800" dirty="0"/>
+              <a:t> has multiple entries per gene; full coverage, </a:t>
+            </a:r>
+            <a:r>
+              <a:rPr lang="en-US" sz="2800" dirty="0" err="1"/>
+              <a:t>tx</a:t>
+            </a:r>
+            <a:r>
+              <a:rPr lang="en-US" sz="2800" dirty="0"/>
+              <a:t> vs. coding</a:t>
+            </a:r>
+          </a:p>
+          <a:p>
+            <a:pPr lvl="1"/>
+            <a:r>
+              <a:rPr lang="en-US" sz="2800" dirty="0"/>
+              <a:t>I chose </a:t>
+            </a:r>
+            <a:r>
+              <a:rPr lang="en-US" sz="2800" dirty="0" err="1"/>
+              <a:t>RefGene</a:t>
+            </a:r>
+            <a:r>
+              <a:rPr lang="en-US" sz="2800" dirty="0"/>
+              <a:t>, min </a:t>
+            </a:r>
+            <a:r>
+              <a:rPr lang="en-US" sz="2800" dirty="0" err="1"/>
+              <a:t>tx</a:t>
+            </a:r>
+            <a:r>
+              <a:rPr lang="en-US" sz="2800" dirty="0"/>
+              <a:t>-start, max </a:t>
+            </a:r>
+            <a:r>
+              <a:rPr lang="en-US" sz="2800" dirty="0" err="1" smtClean="0"/>
+              <a:t>tx</a:t>
+            </a:r>
+            <a:r>
+              <a:rPr lang="en-US" sz="2800" dirty="0" smtClean="0"/>
+              <a:t>-end</a:t>
+            </a:r>
+            <a:r>
+              <a:rPr lang="en-US" sz="2800" dirty="0"/>
+              <a:t>.</a:t>
+            </a:r>
+            <a:endParaRPr lang="en-US" sz="2800" dirty="0" smtClean="0"/>
+          </a:p>
+          <a:p>
+            <a:r>
+              <a:rPr lang="en-US" sz="3200" dirty="0" smtClean="0"/>
+              <a:t>Step 3: Collect/process other inputs: </a:t>
+            </a:r>
+            <a:br>
+              <a:rPr lang="en-US" sz="3200" dirty="0" smtClean="0"/>
+            </a:br>
+            <a:r>
+              <a:rPr lang="en-US" sz="3200" dirty="0" err="1" smtClean="0"/>
+              <a:t>chrom</a:t>
+            </a:r>
+            <a:r>
+              <a:rPr lang="en-US" sz="3200" dirty="0"/>
+              <a:t>, version, </a:t>
+            </a:r>
+            <a:r>
+              <a:rPr lang="en-US" sz="3200" dirty="0" err="1"/>
+              <a:t>chrom.num</a:t>
+            </a:r>
+            <a:r>
+              <a:rPr lang="en-US" sz="3200" dirty="0"/>
+              <a:t>, </a:t>
+            </a:r>
+            <a:r>
+              <a:rPr lang="en-US" sz="3200" dirty="0" smtClean="0"/>
+              <a:t>start</a:t>
+            </a:r>
+            <a:r>
+              <a:rPr lang="en-US" sz="3200" dirty="0"/>
+              <a:t>, </a:t>
+            </a:r>
+            <a:r>
+              <a:rPr lang="en-US" sz="3200" dirty="0" smtClean="0"/>
+              <a:t>end</a:t>
+            </a:r>
+            <a:r>
+              <a:rPr lang="en-US" sz="3200" dirty="0"/>
+              <a:t>, </a:t>
+            </a:r>
+            <a:r>
+              <a:rPr lang="en-US" sz="3200" dirty="0" smtClean="0"/>
+              <a:t>gene.</a:t>
+            </a:r>
+          </a:p>
+        </p:txBody>
+      </p:sp>
+    </p:spTree>
+    <p:extLst>
+      <p:ext uri="{BB962C8B-B14F-4D97-AF65-F5344CB8AC3E}">
+        <p14:creationId xmlns:p14="http://schemas.microsoft.com/office/powerpoint/2010/main" val="2793846"/>
+      </p:ext>
+    </p:extLst>
+  </p:cSld>
+  <p:clrMapOvr>
+    <a:masterClrMapping/>
+  </p:clrMapOvr>
+</p:sld>
+</file>
+
+<file path=ppt/slides/slide7.xml><?xml version="1.0" encoding="utf-8"?>
+<p:sld xmlns:a="http://schemas.openxmlformats.org/drawingml/2006/main" xmlns:r="http://schemas.openxmlformats.org/officeDocument/2006/relationships" xmlns:p="http://schemas.openxmlformats.org/presentationml/2006/main">
+  <p:cSld>
+    <p:bg>
+      <p:bgPr>
+        <a:solidFill>
+          <a:schemeClr val="accent1">
+            <a:lumMod val="20000"/>
+            <a:lumOff val="80000"/>
+          </a:schemeClr>
+        </a:solidFill>
+        <a:effectLst/>
+      </p:bgPr>
+    </p:bg>
+    <p:spTree>
+      <p:nvGrpSpPr>
+        <p:cNvPr id="1" name=""/>
+        <p:cNvGrpSpPr/>
+        <p:nvPr/>
+      </p:nvGrpSpPr>
+      <p:grpSpPr>
+        <a:xfrm>
+          <a:off x="0" y="0"/>
+          <a:ext cx="0" cy="0"/>
+          <a:chOff x="0" y="0"/>
+          <a:chExt cx="0" cy="0"/>
+        </a:xfrm>
+      </p:grpSpPr>
+      <p:sp>
+        <p:nvSpPr>
+          <p:cNvPr id="2" name="Title 1"/>
+          <p:cNvSpPr>
+            <a:spLocks noGrp="1"/>
+          </p:cNvSpPr>
+          <p:nvPr>
+            <p:ph type="title"/>
+          </p:nvPr>
+        </p:nvSpPr>
+        <p:spPr/>
+        <p:txBody>
+          <a:bodyPr>
+            <a:normAutofit/>
+          </a:bodyPr>
+          <a:lstStyle/>
+          <a:p>
+            <a:r>
+              <a:rPr lang="en-US" sz="5400" b="1" dirty="0" smtClean="0"/>
+              <a:t>Call </a:t>
+            </a:r>
+            <a:r>
+              <a:rPr lang="en-US" sz="5400" b="1" dirty="0" err="1" smtClean="0"/>
+              <a:t>Tabix</a:t>
+            </a:r>
+            <a:r>
+              <a:rPr lang="en-US" sz="5400" b="1" dirty="0" smtClean="0"/>
+              <a:t> from System</a:t>
+            </a:r>
+            <a:endParaRPr lang="en-US" sz="5400" b="1" dirty="0"/>
+          </a:p>
+        </p:txBody>
+      </p:sp>
+      <p:sp>
+        <p:nvSpPr>
+          <p:cNvPr id="3" name="Content Placeholder 2"/>
+          <p:cNvSpPr>
+            <a:spLocks noGrp="1"/>
+          </p:cNvSpPr>
+          <p:nvPr>
+            <p:ph idx="1"/>
+          </p:nvPr>
+        </p:nvSpPr>
+        <p:spPr>
+          <a:xfrm>
+            <a:off x="482286" y="1534574"/>
+            <a:ext cx="11673468" cy="4351338"/>
+          </a:xfrm>
+        </p:spPr>
+        <p:txBody>
+          <a:bodyPr>
+            <a:normAutofit/>
+          </a:bodyPr>
+          <a:lstStyle/>
+          <a:p>
+            <a:r>
+              <a:rPr lang="en-US" dirty="0" smtClean="0"/>
+              <a:t>Step 4: Call </a:t>
+            </a:r>
+            <a:r>
+              <a:rPr lang="en-US" dirty="0" err="1" smtClean="0"/>
+              <a:t>tabix</a:t>
+            </a:r>
+            <a:r>
+              <a:rPr lang="en-US" dirty="0" smtClean="0"/>
+              <a:t>:</a:t>
+            </a:r>
+          </a:p>
+          <a:p>
+            <a:pPr lvl="1"/>
+            <a:r>
+              <a:rPr lang="en-US" sz="2800" dirty="0" smtClean="0"/>
+              <a:t>"</a:t>
+            </a:r>
+            <a:r>
+              <a:rPr lang="en-US" sz="2800" dirty="0" err="1"/>
+              <a:t>tabix</a:t>
+            </a:r>
+            <a:r>
+              <a:rPr lang="en-US" sz="2800" dirty="0"/>
+              <a:t> -h ftp://ftp.1000genomes.ebi.ac.uk/vol1/ftp/release/</a:t>
+            </a:r>
+            <a:br>
+              <a:rPr lang="en-US" sz="2800" dirty="0"/>
+            </a:br>
+            <a:r>
+              <a:rPr lang="en-US" sz="2800" dirty="0"/>
+              <a:t>20130502/ALL.</a:t>
+            </a:r>
+            <a:r>
+              <a:rPr lang="en-US" sz="2800" dirty="0">
+                <a:solidFill>
+                  <a:srgbClr val="FF0000"/>
+                </a:solidFill>
+              </a:rPr>
+              <a:t>%s</a:t>
+            </a:r>
+            <a:r>
+              <a:rPr lang="en-US" sz="2800" dirty="0"/>
+              <a:t>.phase3_</a:t>
+            </a:r>
+            <a:r>
+              <a:rPr lang="en-US" sz="2800" dirty="0">
+                <a:solidFill>
+                  <a:srgbClr val="FF0000"/>
+                </a:solidFill>
+              </a:rPr>
+              <a:t>%s</a:t>
+            </a:r>
+            <a:r>
+              <a:rPr lang="en-US" sz="2800" dirty="0"/>
+              <a:t>.20130502.genotypes.vcf.gz </a:t>
+            </a:r>
+            <a:r>
+              <a:rPr lang="en-US" sz="2800" dirty="0">
+                <a:solidFill>
+                  <a:srgbClr val="FF0000"/>
+                </a:solidFill>
+              </a:rPr>
+              <a:t>%s</a:t>
+            </a:r>
+            <a:r>
+              <a:rPr lang="en-US" sz="2800" dirty="0"/>
+              <a:t>:</a:t>
+            </a:r>
+            <a:r>
+              <a:rPr lang="en-US" sz="2800" dirty="0">
+                <a:solidFill>
+                  <a:srgbClr val="FF0000"/>
+                </a:solidFill>
+              </a:rPr>
+              <a:t>%s-%s </a:t>
+            </a:r>
+            <a:br>
+              <a:rPr lang="en-US" sz="2800" dirty="0">
+                <a:solidFill>
+                  <a:srgbClr val="FF0000"/>
+                </a:solidFill>
+              </a:rPr>
+            </a:br>
+            <a:r>
+              <a:rPr lang="en-US" sz="2800" dirty="0"/>
+              <a:t>&gt; </a:t>
+            </a:r>
+            <a:r>
+              <a:rPr lang="en-US" sz="2800" dirty="0">
+                <a:solidFill>
+                  <a:srgbClr val="FF0000"/>
+                </a:solidFill>
+              </a:rPr>
+              <a:t>%</a:t>
+            </a:r>
+            <a:r>
+              <a:rPr lang="en-US" sz="2800" dirty="0" err="1">
+                <a:solidFill>
+                  <a:srgbClr val="FF0000"/>
+                </a:solidFill>
+              </a:rPr>
+              <a:t>s</a:t>
+            </a:r>
+            <a:r>
+              <a:rPr lang="en-US" sz="2800" dirty="0" err="1"/>
+              <a:t>_genotypes.vcf</a:t>
+            </a:r>
+            <a:r>
+              <a:rPr lang="en-US" sz="2800" dirty="0"/>
+              <a:t>” </a:t>
+            </a:r>
+            <a:r>
+              <a:rPr lang="en-US" sz="2800" dirty="0">
+                <a:solidFill>
+                  <a:srgbClr val="0070C0"/>
+                </a:solidFill>
+              </a:rPr>
+              <a:t>%&gt;%</a:t>
+            </a:r>
+          </a:p>
+          <a:p>
+            <a:pPr lvl="1"/>
+            <a:r>
+              <a:rPr lang="en-US" sz="2800" dirty="0" err="1"/>
+              <a:t>sprintf</a:t>
+            </a:r>
+            <a:r>
+              <a:rPr lang="en-US" sz="2800" dirty="0"/>
+              <a:t>(</a:t>
+            </a:r>
+            <a:r>
+              <a:rPr lang="en-US" sz="2800" dirty="0" err="1"/>
+              <a:t>UCSC$chrom</a:t>
+            </a:r>
+            <a:r>
+              <a:rPr lang="en-US" sz="2800" dirty="0"/>
+              <a:t>, version, </a:t>
+            </a:r>
+            <a:r>
+              <a:rPr lang="en-US" sz="2800" dirty="0" err="1"/>
+              <a:t>chrom.num</a:t>
+            </a:r>
+            <a:r>
+              <a:rPr lang="en-US" sz="2800" dirty="0"/>
+              <a:t>, </a:t>
+            </a:r>
+            <a:r>
+              <a:rPr lang="en-US" sz="2800" dirty="0" err="1"/>
+              <a:t>UCSC$start</a:t>
+            </a:r>
+            <a:r>
+              <a:rPr lang="en-US" sz="2800" dirty="0"/>
+              <a:t>, </a:t>
+            </a:r>
+            <a:r>
+              <a:rPr lang="en-US" sz="2800" dirty="0" err="1"/>
+              <a:t>UCSC$end</a:t>
+            </a:r>
+            <a:r>
+              <a:rPr lang="en-US" sz="2800" dirty="0"/>
+              <a:t>, gene) </a:t>
+            </a:r>
+            <a:r>
+              <a:rPr lang="en-US" sz="2800" dirty="0">
+                <a:solidFill>
+                  <a:srgbClr val="0070C0"/>
+                </a:solidFill>
+              </a:rPr>
+              <a:t>%&gt;%</a:t>
+            </a:r>
+            <a:r>
+              <a:rPr lang="en-US" sz="2800" dirty="0"/>
+              <a:t> system</a:t>
+            </a:r>
+          </a:p>
+          <a:p>
+            <a:r>
+              <a:rPr lang="en-US" dirty="0"/>
+              <a:t>Step </a:t>
+            </a:r>
+            <a:r>
+              <a:rPr lang="en-US" dirty="0" smtClean="0"/>
+              <a:t>5: </a:t>
+            </a:r>
+            <a:r>
+              <a:rPr lang="en-US" dirty="0"/>
+              <a:t>Output progress (e.g. MYBPC3 17/56) and check whether the file exists and has size &gt; 0. </a:t>
+            </a:r>
+            <a:endParaRPr lang="en-US" dirty="0" smtClean="0"/>
+          </a:p>
+          <a:p>
+            <a:r>
+              <a:rPr lang="en-US" dirty="0"/>
+              <a:t>Step </a:t>
+            </a:r>
+            <a:r>
+              <a:rPr lang="en-US" dirty="0" smtClean="0"/>
+              <a:t>6: </a:t>
+            </a:r>
+            <a:r>
+              <a:rPr lang="en-US" dirty="0"/>
+              <a:t>Compare with the dozen or so downloaded by hand earlier. </a:t>
+            </a:r>
+          </a:p>
+          <a:p>
+            <a:endParaRPr lang="en-US" dirty="0"/>
+          </a:p>
+        </p:txBody>
+      </p:sp>
+    </p:spTree>
+    <p:extLst>
+      <p:ext uri="{BB962C8B-B14F-4D97-AF65-F5344CB8AC3E}">
+        <p14:creationId xmlns:p14="http://schemas.microsoft.com/office/powerpoint/2010/main" val="2030721524"/>
+      </p:ext>
+    </p:extLst>
+  </p:cSld>
+  <p:clrMapOvr>
+    <a:masterClrMapping/>
+  </p:clrMapOvr>
+</p:sld>
+</file>
+
+<file path=ppt/slides/slide8.xml><?xml version="1.0" encoding="utf-8"?>
+<p:sld xmlns:a="http://schemas.openxmlformats.org/drawingml/2006/main" xmlns:r="http://schemas.openxmlformats.org/officeDocument/2006/relationships" xmlns:p="http://schemas.openxmlformats.org/presentationml/2006/main">
+  <p:cSld>
+    <p:bg>
+      <p:bgPr>
+        <a:solidFill>
+          <a:schemeClr val="accent1">
+            <a:lumMod val="20000"/>
+            <a:lumOff val="80000"/>
+          </a:schemeClr>
+        </a:solidFill>
+        <a:effectLst/>
+      </p:bgPr>
+    </p:bg>
+    <p:spTree>
+      <p:nvGrpSpPr>
+        <p:cNvPr id="1" name=""/>
+        <p:cNvGrpSpPr/>
+        <p:nvPr/>
+      </p:nvGrpSpPr>
+      <p:grpSpPr>
+        <a:xfrm>
+          <a:off x="0" y="0"/>
+          <a:ext cx="0" cy="0"/>
+          <a:chOff x="0" y="0"/>
+          <a:chExt cx="0" cy="0"/>
+        </a:xfrm>
+      </p:grpSpPr>
+      <p:sp>
+        <p:nvSpPr>
+          <p:cNvPr id="2" name="Title 1"/>
+          <p:cNvSpPr>
+            <a:spLocks noGrp="1"/>
+          </p:cNvSpPr>
+          <p:nvPr>
+            <p:ph type="title"/>
+          </p:nvPr>
+        </p:nvSpPr>
+        <p:spPr/>
+        <p:txBody>
+          <a:bodyPr>
+            <a:normAutofit/>
+          </a:bodyPr>
+          <a:lstStyle/>
+          <a:p>
+            <a:r>
+              <a:rPr lang="en-US" sz="4800" b="1" dirty="0" smtClean="0"/>
+              <a:t>Join 1000G data to ExAC: Correlations </a:t>
+            </a:r>
+            <a:endParaRPr lang="en-US" sz="4800" b="1" dirty="0"/>
+          </a:p>
+        </p:txBody>
+      </p:sp>
+      <p:sp>
+        <p:nvSpPr>
+          <p:cNvPr id="3" name="Content Placeholder 2"/>
+          <p:cNvSpPr>
+            <a:spLocks noGrp="1"/>
+          </p:cNvSpPr>
+          <p:nvPr>
+            <p:ph idx="1"/>
+          </p:nvPr>
+        </p:nvSpPr>
+        <p:spPr/>
+        <p:txBody>
+          <a:bodyPr/>
+          <a:lstStyle/>
+          <a:p>
+            <a:r>
+              <a:rPr lang="en-US" dirty="0" smtClean="0"/>
+              <a:t>Take intersecting variants only (due to liberal estimate on </a:t>
+            </a:r>
+            <a:r>
+              <a:rPr lang="en-US" dirty="0" err="1" smtClean="0"/>
+              <a:t>tx</a:t>
+            </a:r>
+            <a:r>
+              <a:rPr lang="en-US" dirty="0" smtClean="0"/>
+              <a:t> regions)</a:t>
+            </a:r>
+          </a:p>
+          <a:p>
+            <a:endParaRPr lang="en-US" dirty="0" smtClean="0"/>
+          </a:p>
+          <a:p>
+            <a:endParaRPr lang="en-US" dirty="0" smtClean="0"/>
+          </a:p>
+          <a:p>
+            <a:endParaRPr lang="en-US" dirty="0"/>
+          </a:p>
+        </p:txBody>
+      </p:sp>
+      <p:pic>
+        <p:nvPicPr>
+          <p:cNvPr id="4" name="Picture 3"/>
+          <p:cNvPicPr>
+            <a:picLocks noChangeAspect="1"/>
+          </p:cNvPicPr>
+          <p:nvPr/>
+        </p:nvPicPr>
+        <p:blipFill>
+          <a:blip r:embed="rId2"/>
+          <a:stretch>
+            <a:fillRect/>
+          </a:stretch>
+        </p:blipFill>
+        <p:spPr>
+          <a:xfrm>
+            <a:off x="838200" y="2483644"/>
+            <a:ext cx="8001000" cy="3035300"/>
+          </a:xfrm>
+          <a:prstGeom prst="rect">
+            <a:avLst/>
+          </a:prstGeom>
+        </p:spPr>
+      </p:pic>
+      <p:sp>
+        <p:nvSpPr>
+          <p:cNvPr id="5" name="TextBox 4"/>
+          <p:cNvSpPr txBox="1"/>
+          <p:nvPr/>
+        </p:nvSpPr>
+        <p:spPr>
+          <a:xfrm>
+            <a:off x="9058507" y="2483644"/>
+            <a:ext cx="2075985" cy="2308324"/>
+          </a:xfrm>
+          <a:prstGeom prst="rect">
+            <a:avLst/>
+          </a:prstGeom>
+          <a:noFill/>
+        </p:spPr>
+        <p:txBody>
+          <a:bodyPr wrap="square" rtlCol="0">
+            <a:spAutoFit/>
+          </a:bodyPr>
+          <a:lstStyle/>
+          <a:p>
+            <a:r>
+              <a:rPr lang="en-US" sz="2400" dirty="0" smtClean="0"/>
+              <a:t>VHL: 72%</a:t>
+            </a:r>
+          </a:p>
+          <a:p>
+            <a:r>
+              <a:rPr lang="en-US" sz="2400" dirty="0" smtClean="0"/>
+              <a:t>MLH1: 86%</a:t>
+            </a:r>
+          </a:p>
+          <a:p>
+            <a:r>
+              <a:rPr lang="en-US" sz="2400" dirty="0" smtClean="0"/>
+              <a:t>DSC2: 91%</a:t>
+            </a:r>
+          </a:p>
+          <a:p>
+            <a:endParaRPr lang="en-US" sz="2400" dirty="0"/>
+          </a:p>
+          <a:p>
+            <a:r>
+              <a:rPr lang="en-US" sz="2400" dirty="0" smtClean="0"/>
+              <a:t>All others above 94%</a:t>
+            </a:r>
+            <a:endParaRPr lang="en-US" sz="2400" dirty="0"/>
+          </a:p>
+        </p:txBody>
+      </p:sp>
+    </p:spTree>
+    <p:extLst>
+      <p:ext uri="{BB962C8B-B14F-4D97-AF65-F5344CB8AC3E}">
+        <p14:creationId xmlns:p14="http://schemas.microsoft.com/office/powerpoint/2010/main" val="2088238115"/>
+      </p:ext>
+    </p:extLst>
+  </p:cSld>
+  <p:clrMapOvr>
+    <a:masterClrMapping/>
+  </p:clrMapOvr>
+</p:sld>
+</file>
+
+<file path=ppt/slides/slide9.xml><?xml version="1.0" encoding="utf-8"?>
+<p:sld xmlns:a="http://schemas.openxmlformats.org/drawingml/2006/main" xmlns:r="http://schemas.openxmlformats.org/officeDocument/2006/relationships" xmlns:p="http://schemas.openxmlformats.org/presentationml/2006/main">
+  <p:cSld>
+    <p:bg>
+      <p:bgPr>
+        <a:solidFill>
+          <a:schemeClr val="accent1">
+            <a:lumMod val="20000"/>
+            <a:lumOff val="80000"/>
+          </a:schemeClr>
+        </a:solidFill>
+        <a:effectLst/>
+      </p:bgPr>
+    </p:bg>
+    <p:spTree>
+      <p:nvGrpSpPr>
+        <p:cNvPr id="1" name=""/>
+        <p:cNvGrpSpPr/>
+        <p:nvPr/>
+      </p:nvGrpSpPr>
+      <p:grpSpPr>
+        <a:xfrm>
+          <a:off x="0" y="0"/>
+          <a:ext cx="0" cy="0"/>
+          <a:chOff x="0" y="0"/>
+          <a:chExt cx="0" cy="0"/>
+        </a:xfrm>
+      </p:grpSpPr>
+      <p:sp>
+        <p:nvSpPr>
+          <p:cNvPr id="2" name="Title 1"/>
+          <p:cNvSpPr>
+            <a:spLocks noGrp="1"/>
+          </p:cNvSpPr>
+          <p:nvPr>
+            <p:ph type="title"/>
+          </p:nvPr>
+        </p:nvSpPr>
+        <p:spPr/>
+        <p:txBody>
+          <a:bodyPr>
+            <a:normAutofit/>
+          </a:bodyPr>
+          <a:lstStyle/>
+          <a:p>
+            <a:r>
+              <a:rPr lang="en-US" sz="5400" b="1" dirty="0" smtClean="0"/>
+              <a:t>Load ACMG data into MySQL table</a:t>
+            </a:r>
+            <a:endParaRPr lang="en-US" sz="5400" b="1" dirty="0"/>
+          </a:p>
+        </p:txBody>
+      </p:sp>
+      <p:sp>
+        <p:nvSpPr>
+          <p:cNvPr id="3" name="Content Placeholder 2"/>
+          <p:cNvSpPr>
+            <a:spLocks noGrp="1"/>
+          </p:cNvSpPr>
+          <p:nvPr>
+            <p:ph idx="1"/>
+          </p:nvPr>
+        </p:nvSpPr>
+        <p:spPr>
+          <a:xfrm>
+            <a:off x="701749" y="1690688"/>
+            <a:ext cx="11109251" cy="4351338"/>
+          </a:xfrm>
+        </p:spPr>
+        <p:txBody>
+          <a:bodyPr>
+            <a:normAutofit/>
+          </a:bodyPr>
+          <a:lstStyle/>
+          <a:p>
+            <a:r>
+              <a:rPr lang="en-US" sz="2600" dirty="0"/>
+              <a:t>mysql&gt; create table ACMG (</a:t>
+            </a:r>
+            <a:r>
+              <a:rPr lang="en-US" sz="2600" dirty="0" err="1"/>
+              <a:t>Numkey</a:t>
+            </a:r>
+            <a:r>
+              <a:rPr lang="en-US" sz="2600" dirty="0"/>
+              <a:t> </a:t>
+            </a:r>
+            <a:r>
+              <a:rPr lang="en-US" sz="2600" dirty="0" err="1" smtClean="0"/>
+              <a:t>int</a:t>
+            </a:r>
+            <a:r>
+              <a:rPr lang="en-US" sz="2600" dirty="0" smtClean="0"/>
+              <a:t> </a:t>
+            </a:r>
+            <a:r>
+              <a:rPr lang="is-IS" sz="2600" dirty="0" smtClean="0"/>
+              <a:t>… </a:t>
+            </a:r>
+            <a:r>
+              <a:rPr lang="en-US" sz="2600" dirty="0" smtClean="0"/>
+              <a:t>Citation </a:t>
+            </a:r>
+            <a:r>
+              <a:rPr lang="en-US" sz="2600" dirty="0"/>
+              <a:t>varchar(200</a:t>
+            </a:r>
+            <a:r>
+              <a:rPr lang="en-US" sz="2600" dirty="0" smtClean="0"/>
+              <a:t>));</a:t>
+            </a:r>
+          </a:p>
+          <a:p>
+            <a:r>
+              <a:rPr lang="en-US" sz="2600" dirty="0" smtClean="0"/>
+              <a:t> mysql</a:t>
+            </a:r>
+            <a:r>
+              <a:rPr lang="en-US" sz="2600" dirty="0"/>
+              <a:t>&gt; load data local infile </a:t>
+            </a:r>
+            <a:r>
+              <a:rPr lang="en-US" sz="2600" dirty="0" smtClean="0"/>
+              <a:t>'/</a:t>
+            </a:r>
+            <a:r>
+              <a:rPr lang="en-US" sz="2600" dirty="0"/>
+              <a:t>Users/jamesdiao/Documents/</a:t>
+            </a:r>
+            <a:r>
+              <a:rPr lang="en-US" sz="2600" dirty="0" err="1"/>
+              <a:t>Kohane_Lab</a:t>
+            </a:r>
+            <a:r>
+              <a:rPr lang="en-US" sz="2600" dirty="0" smtClean="0"/>
+              <a:t>/</a:t>
+            </a:r>
+            <a:br>
+              <a:rPr lang="en-US" sz="2600" dirty="0" smtClean="0"/>
+            </a:br>
+            <a:r>
+              <a:rPr lang="en-US" sz="2600" dirty="0" smtClean="0"/>
+              <a:t>HST-2016/week_5/</a:t>
+            </a:r>
+            <a:r>
+              <a:rPr lang="en-US" sz="2600" dirty="0" err="1" smtClean="0"/>
+              <a:t>ACMG_output.txt</a:t>
+            </a:r>
+            <a:r>
+              <a:rPr lang="en-US" sz="2600" dirty="0"/>
+              <a:t>' into table ACMG lines terminated </a:t>
+            </a:r>
+            <a:r>
+              <a:rPr lang="en-US" sz="2600" dirty="0" smtClean="0"/>
+              <a:t>by '\</a:t>
+            </a:r>
+            <a:r>
+              <a:rPr lang="en-US" sz="2600" dirty="0"/>
+              <a:t>n';            </a:t>
+            </a:r>
+            <a:endParaRPr lang="en-US" sz="2600" dirty="0"/>
+          </a:p>
+          <a:p>
+            <a:r>
+              <a:rPr lang="en-US" sz="2600" dirty="0" smtClean="0"/>
+              <a:t>Records</a:t>
+            </a:r>
+            <a:r>
+              <a:rPr lang="en-US" sz="2600" dirty="0"/>
+              <a:t>: 9199  Deleted: 0  Skipped: 0  Warnings: 0</a:t>
+            </a:r>
+            <a:endParaRPr lang="en-US" sz="2600" dirty="0"/>
+          </a:p>
+        </p:txBody>
+      </p:sp>
+      <p:pic>
+        <p:nvPicPr>
+          <p:cNvPr id="4" name="Picture 3"/>
+          <p:cNvPicPr>
+            <a:picLocks noChangeAspect="1"/>
+          </p:cNvPicPr>
+          <p:nvPr/>
+        </p:nvPicPr>
+        <p:blipFill>
+          <a:blip r:embed="rId2"/>
+          <a:stretch>
+            <a:fillRect/>
+          </a:stretch>
+        </p:blipFill>
+        <p:spPr>
+          <a:xfrm>
+            <a:off x="999461" y="3667023"/>
+            <a:ext cx="10403550" cy="2606185"/>
+          </a:xfrm>
+          <a:prstGeom prst="rect">
+            <a:avLst/>
+          </a:prstGeom>
+        </p:spPr>
+      </p:pic>
+    </p:spTree>
+    <p:extLst>
+      <p:ext uri="{BB962C8B-B14F-4D97-AF65-F5344CB8AC3E}">
+        <p14:creationId xmlns:p14="http://schemas.microsoft.com/office/powerpoint/2010/main" val="1589268759"/>
+      </p:ext>
+    </p:extLst>
+  </p:cSld>
+  <p:clrMapOvr>
+    <a:masterClrMapping/>
+  </p:clrMapOvr>
+</p:sld>
+</file>
+
 <file path=ppt/theme/theme1.xml><?xml version="1.0" encoding="utf-8"?>
 <a:theme xmlns:a="http://schemas.openxmlformats.org/drawingml/2006/main" name="Office Theme">
   <a:themeElements>
-    <a:clrScheme name="Office">
+    <a:clrScheme name="Office Theme">
       <a:dk1>
         <a:sysClr val="windowText" lastClr="000000"/>
       </a:dk1>
@@ -3818,14 +5326,14 @@
         <a:srgbClr val="954F72"/>
       </a:folHlink>
     </a:clrScheme>
-    <a:fontScheme name="Office">
+    <a:fontScheme name="Office Theme">
       <a:majorFont>
         <a:latin typeface="Calibri Light" panose="020F0302020204030204"/>
         <a:ea typeface=""/>
         <a:cs typeface=""/>
-        <a:font script="Jpan" typeface="Yu Gothic Light"/>
+        <a:font script="Jpan" typeface="ＭＳ Ｐゴシック"/>
         <a:font script="Hang" typeface="맑은 고딕"/>
-        <a:font script="Hans" typeface="DengXian Light"/>
+        <a:font script="Hans" typeface="宋体"/>
         <a:font script="Hant" typeface="新細明體"/>
         <a:font script="Arab" typeface="Times New Roman"/>
         <a:font script="Hebr" typeface="Times New Roman"/>
@@ -3858,9 +5366,9 @@
         <a:latin typeface="Calibri" panose="020F0502020204030204"/>
         <a:ea typeface=""/>
         <a:cs typeface=""/>
-        <a:font script="Jpan" typeface="Yu Gothic"/>
+        <a:font script="Jpan" typeface="ＭＳ Ｐゴシック"/>
         <a:font script="Hang" typeface="맑은 고딕"/>
-        <a:font script="Hans" typeface="DengXian"/>
+        <a:font script="Hans" typeface="宋体"/>
         <a:font script="Hant" typeface="新細明體"/>
         <a:font script="Arab" typeface="Arial"/>
         <a:font script="Hebr" typeface="Arial"/>
@@ -3890,7 +5398,7 @@
         <a:font script="Geor" typeface="Sylfaen"/>
       </a:minorFont>
     </a:fontScheme>
-    <a:fmtScheme name="Office">
+    <a:fmtScheme name="Office Theme">
       <a:fillStyleLst>
         <a:solidFill>
           <a:schemeClr val="phClr"/>

--- a/week_5/Presentation_week_5.pptx
+++ b/week_5/Presentation_week_5.pptx
@@ -550,6 +550,574 @@
     <p:extLst>
       <p:ext uri="{BB962C8B-B14F-4D97-AF65-F5344CB8AC3E}">
         <p14:creationId xmlns:p14="http://schemas.microsoft.com/office/powerpoint/2010/main" val="541894362"/>
+      </p:ext>
+    </p:extLst>
+  </p:cSld>
+  <p:clrMapOvr>
+    <a:masterClrMapping/>
+  </p:clrMapOvr>
+</p:notes>
+</file>
+
+<file path=ppt/notesSlides/notesSlide2.xml><?xml version="1.0" encoding="utf-8"?>
+<p:notes xmlns:a="http://schemas.openxmlformats.org/drawingml/2006/main" xmlns:r="http://schemas.openxmlformats.org/officeDocument/2006/relationships" xmlns:p="http://schemas.openxmlformats.org/presentationml/2006/main">
+  <p:cSld>
+    <p:spTree>
+      <p:nvGrpSpPr>
+        <p:cNvPr id="1" name=""/>
+        <p:cNvGrpSpPr/>
+        <p:nvPr/>
+      </p:nvGrpSpPr>
+      <p:grpSpPr>
+        <a:xfrm>
+          <a:off x="0" y="0"/>
+          <a:ext cx="0" cy="0"/>
+          <a:chOff x="0" y="0"/>
+          <a:chExt cx="0" cy="0"/>
+        </a:xfrm>
+      </p:grpSpPr>
+      <p:sp>
+        <p:nvSpPr>
+          <p:cNvPr id="2" name="Slide Image Placeholder 1"/>
+          <p:cNvSpPr>
+            <a:spLocks noGrp="1" noRot="1" noChangeAspect="1"/>
+          </p:cNvSpPr>
+          <p:nvPr>
+            <p:ph type="sldImg"/>
+          </p:nvPr>
+        </p:nvSpPr>
+        <p:spPr/>
+      </p:sp>
+      <p:sp>
+        <p:nvSpPr>
+          <p:cNvPr id="3" name="Notes Placeholder 2"/>
+          <p:cNvSpPr>
+            <a:spLocks noGrp="1"/>
+          </p:cNvSpPr>
+          <p:nvPr>
+            <p:ph type="body" idx="1"/>
+          </p:nvPr>
+        </p:nvSpPr>
+        <p:spPr/>
+        <p:txBody>
+          <a:bodyPr/>
+          <a:lstStyle/>
+          <a:p>
+            <a:r>
+              <a:rPr lang="en-US" baseline="0" dirty="0" smtClean="0"/>
+              <a:t>Plot number of variants across 20 genes per individual (</a:t>
+            </a:r>
+            <a:r>
+              <a:rPr lang="en-US" baseline="0" dirty="0" err="1" smtClean="0"/>
+              <a:t>Hist</a:t>
+            </a:r>
+            <a:r>
+              <a:rPr lang="en-US" baseline="0" dirty="0" smtClean="0"/>
+              <a:t>)</a:t>
+            </a:r>
+          </a:p>
+          <a:p>
+            <a:r>
+              <a:rPr lang="en-US" baseline="0" dirty="0" smtClean="0"/>
+              <a:t>Plot </a:t>
+            </a:r>
+            <a:r>
+              <a:rPr lang="en-US" baseline="0" dirty="0" err="1" smtClean="0"/>
+              <a:t>barplot</a:t>
+            </a:r>
+            <a:r>
+              <a:rPr lang="en-US" baseline="0" dirty="0" smtClean="0"/>
+              <a:t> of individuals who have a variant in each gene, </a:t>
+            </a:r>
+            <a:r>
+              <a:rPr lang="en-US" baseline="0" dirty="0" err="1" smtClean="0"/>
+              <a:t>rv</a:t>
+            </a:r>
+            <a:r>
+              <a:rPr lang="en-US" baseline="0" dirty="0" smtClean="0"/>
+              <a:t> </a:t>
+            </a:r>
+            <a:r>
+              <a:rPr lang="en-US" baseline="0" dirty="0" err="1" smtClean="0"/>
+              <a:t>desc</a:t>
+            </a:r>
+            <a:r>
+              <a:rPr lang="en-US" baseline="0" dirty="0" smtClean="0"/>
+              <a:t> </a:t>
+            </a:r>
+            <a:r>
+              <a:rPr lang="en-US" baseline="0" dirty="0" err="1" smtClean="0"/>
+              <a:t>frac</a:t>
+            </a:r>
+            <a:r>
+              <a:rPr lang="en-US" baseline="0" dirty="0" smtClean="0"/>
+              <a:t> of genes by gene</a:t>
+            </a:r>
+          </a:p>
+          <a:p>
+            <a:r>
+              <a:rPr lang="en-US" baseline="0" dirty="0" smtClean="0"/>
+              <a:t>Table (gene specific) for ASW, CEU, YRI columns and genes </a:t>
+            </a:r>
+          </a:p>
+          <a:p>
+            <a:endParaRPr lang="en-US" baseline="0" dirty="0" smtClean="0"/>
+          </a:p>
+        </p:txBody>
+      </p:sp>
+      <p:sp>
+        <p:nvSpPr>
+          <p:cNvPr id="4" name="Slide Number Placeholder 3"/>
+          <p:cNvSpPr>
+            <a:spLocks noGrp="1"/>
+          </p:cNvSpPr>
+          <p:nvPr>
+            <p:ph type="sldNum" sz="quarter" idx="10"/>
+          </p:nvPr>
+        </p:nvSpPr>
+        <p:spPr/>
+        <p:txBody>
+          <a:bodyPr/>
+          <a:lstStyle/>
+          <a:p>
+            <a:fld id="{25C42793-7F5C-AB45-B574-3F3F52858E7D}" type="slidenum">
+              <a:rPr lang="en-US" smtClean="0"/>
+              <a:t>3</a:t>
+            </a:fld>
+            <a:endParaRPr lang="en-US"/>
+          </a:p>
+        </p:txBody>
+      </p:sp>
+    </p:spTree>
+    <p:extLst>
+      <p:ext uri="{BB962C8B-B14F-4D97-AF65-F5344CB8AC3E}">
+        <p14:creationId xmlns:p14="http://schemas.microsoft.com/office/powerpoint/2010/main" val="567824543"/>
+      </p:ext>
+    </p:extLst>
+  </p:cSld>
+  <p:clrMapOvr>
+    <a:masterClrMapping/>
+  </p:clrMapOvr>
+</p:notes>
+</file>
+
+<file path=ppt/notesSlides/notesSlide3.xml><?xml version="1.0" encoding="utf-8"?>
+<p:notes xmlns:a="http://schemas.openxmlformats.org/drawingml/2006/main" xmlns:r="http://schemas.openxmlformats.org/officeDocument/2006/relationships" xmlns:p="http://schemas.openxmlformats.org/presentationml/2006/main">
+  <p:cSld>
+    <p:spTree>
+      <p:nvGrpSpPr>
+        <p:cNvPr id="1" name=""/>
+        <p:cNvGrpSpPr/>
+        <p:nvPr/>
+      </p:nvGrpSpPr>
+      <p:grpSpPr>
+        <a:xfrm>
+          <a:off x="0" y="0"/>
+          <a:ext cx="0" cy="0"/>
+          <a:chOff x="0" y="0"/>
+          <a:chExt cx="0" cy="0"/>
+        </a:xfrm>
+      </p:grpSpPr>
+      <p:sp>
+        <p:nvSpPr>
+          <p:cNvPr id="2" name="Slide Image Placeholder 1"/>
+          <p:cNvSpPr>
+            <a:spLocks noGrp="1" noRot="1" noChangeAspect="1"/>
+          </p:cNvSpPr>
+          <p:nvPr>
+            <p:ph type="sldImg"/>
+          </p:nvPr>
+        </p:nvSpPr>
+        <p:spPr/>
+      </p:sp>
+      <p:sp>
+        <p:nvSpPr>
+          <p:cNvPr id="3" name="Notes Placeholder 2"/>
+          <p:cNvSpPr>
+            <a:spLocks noGrp="1"/>
+          </p:cNvSpPr>
+          <p:nvPr>
+            <p:ph type="body" idx="1"/>
+          </p:nvPr>
+        </p:nvSpPr>
+        <p:spPr/>
+        <p:txBody>
+          <a:bodyPr/>
+          <a:lstStyle/>
+          <a:p>
+            <a:r>
+              <a:rPr lang="en-US" dirty="0" smtClean="0"/>
+              <a:t>Select a real</a:t>
+            </a:r>
+            <a:r>
+              <a:rPr lang="en-US" baseline="0" dirty="0" smtClean="0"/>
+              <a:t> </a:t>
+            </a:r>
+            <a:r>
+              <a:rPr lang="en-US" baseline="0" dirty="0" err="1" smtClean="0"/>
+              <a:t>refgene</a:t>
+            </a:r>
+            <a:r>
+              <a:rPr lang="en-US" baseline="0" dirty="0" smtClean="0"/>
+              <a:t> entry (largest)</a:t>
+            </a:r>
+            <a:endParaRPr lang="en-US" dirty="0"/>
+          </a:p>
+        </p:txBody>
+      </p:sp>
+      <p:sp>
+        <p:nvSpPr>
+          <p:cNvPr id="4" name="Slide Number Placeholder 3"/>
+          <p:cNvSpPr>
+            <a:spLocks noGrp="1"/>
+          </p:cNvSpPr>
+          <p:nvPr>
+            <p:ph type="sldNum" sz="quarter" idx="10"/>
+          </p:nvPr>
+        </p:nvSpPr>
+        <p:spPr/>
+        <p:txBody>
+          <a:bodyPr/>
+          <a:lstStyle/>
+          <a:p>
+            <a:fld id="{25C42793-7F5C-AB45-B574-3F3F52858E7D}" type="slidenum">
+              <a:rPr lang="en-US" smtClean="0"/>
+              <a:t>6</a:t>
+            </a:fld>
+            <a:endParaRPr lang="en-US"/>
+          </a:p>
+        </p:txBody>
+      </p:sp>
+    </p:spTree>
+    <p:extLst>
+      <p:ext uri="{BB962C8B-B14F-4D97-AF65-F5344CB8AC3E}">
+        <p14:creationId xmlns:p14="http://schemas.microsoft.com/office/powerpoint/2010/main" val="1985407645"/>
+      </p:ext>
+    </p:extLst>
+  </p:cSld>
+  <p:clrMapOvr>
+    <a:masterClrMapping/>
+  </p:clrMapOvr>
+</p:notes>
+</file>
+
+<file path=ppt/notesSlides/notesSlide4.xml><?xml version="1.0" encoding="utf-8"?>
+<p:notes xmlns:a="http://schemas.openxmlformats.org/drawingml/2006/main" xmlns:r="http://schemas.openxmlformats.org/officeDocument/2006/relationships" xmlns:p="http://schemas.openxmlformats.org/presentationml/2006/main">
+  <p:cSld>
+    <p:spTree>
+      <p:nvGrpSpPr>
+        <p:cNvPr id="1" name=""/>
+        <p:cNvGrpSpPr/>
+        <p:nvPr/>
+      </p:nvGrpSpPr>
+      <p:grpSpPr>
+        <a:xfrm>
+          <a:off x="0" y="0"/>
+          <a:ext cx="0" cy="0"/>
+          <a:chOff x="0" y="0"/>
+          <a:chExt cx="0" cy="0"/>
+        </a:xfrm>
+      </p:grpSpPr>
+      <p:sp>
+        <p:nvSpPr>
+          <p:cNvPr id="2" name="Slide Image Placeholder 1"/>
+          <p:cNvSpPr>
+            <a:spLocks noGrp="1" noRot="1" noChangeAspect="1"/>
+          </p:cNvSpPr>
+          <p:nvPr>
+            <p:ph type="sldImg"/>
+          </p:nvPr>
+        </p:nvSpPr>
+        <p:spPr/>
+      </p:sp>
+      <p:sp>
+        <p:nvSpPr>
+          <p:cNvPr id="3" name="Notes Placeholder 2"/>
+          <p:cNvSpPr>
+            <a:spLocks noGrp="1"/>
+          </p:cNvSpPr>
+          <p:nvPr>
+            <p:ph type="body" idx="1"/>
+          </p:nvPr>
+        </p:nvSpPr>
+        <p:spPr/>
+        <p:txBody>
+          <a:bodyPr/>
+          <a:lstStyle/>
+          <a:p>
+            <a:r>
+              <a:rPr lang="en-US" dirty="0" smtClean="0"/>
+              <a:t>Plot as a histogram</a:t>
+            </a:r>
+          </a:p>
+          <a:p>
+            <a:r>
+              <a:rPr lang="en-US" dirty="0" smtClean="0"/>
+              <a:t>Look</a:t>
+            </a:r>
+            <a:r>
+              <a:rPr lang="en-US" baseline="0" dirty="0" smtClean="0"/>
+              <a:t> at crappy ones; look at size distribution</a:t>
+            </a:r>
+          </a:p>
+          <a:p>
+            <a:r>
+              <a:rPr lang="en-US" baseline="0" dirty="0" smtClean="0"/>
+              <a:t>Gene level: number of variants (histogram across genes)</a:t>
+            </a:r>
+            <a:endParaRPr lang="en-US" dirty="0"/>
+          </a:p>
+        </p:txBody>
+      </p:sp>
+      <p:sp>
+        <p:nvSpPr>
+          <p:cNvPr id="4" name="Slide Number Placeholder 3"/>
+          <p:cNvSpPr>
+            <a:spLocks noGrp="1"/>
+          </p:cNvSpPr>
+          <p:nvPr>
+            <p:ph type="sldNum" sz="quarter" idx="10"/>
+          </p:nvPr>
+        </p:nvSpPr>
+        <p:spPr/>
+        <p:txBody>
+          <a:bodyPr/>
+          <a:lstStyle/>
+          <a:p>
+            <a:fld id="{25C42793-7F5C-AB45-B574-3F3F52858E7D}" type="slidenum">
+              <a:rPr lang="en-US" smtClean="0"/>
+              <a:t>8</a:t>
+            </a:fld>
+            <a:endParaRPr lang="en-US"/>
+          </a:p>
+        </p:txBody>
+      </p:sp>
+    </p:spTree>
+    <p:extLst>
+      <p:ext uri="{BB962C8B-B14F-4D97-AF65-F5344CB8AC3E}">
+        <p14:creationId xmlns:p14="http://schemas.microsoft.com/office/powerpoint/2010/main" val="704607918"/>
+      </p:ext>
+    </p:extLst>
+  </p:cSld>
+  <p:clrMapOvr>
+    <a:masterClrMapping/>
+  </p:clrMapOvr>
+</p:notes>
+</file>
+
+<file path=ppt/notesSlides/notesSlide5.xml><?xml version="1.0" encoding="utf-8"?>
+<p:notes xmlns:a="http://schemas.openxmlformats.org/drawingml/2006/main" xmlns:r="http://schemas.openxmlformats.org/officeDocument/2006/relationships" xmlns:p="http://schemas.openxmlformats.org/presentationml/2006/main">
+  <p:cSld>
+    <p:spTree>
+      <p:nvGrpSpPr>
+        <p:cNvPr id="1" name=""/>
+        <p:cNvGrpSpPr/>
+        <p:nvPr/>
+      </p:nvGrpSpPr>
+      <p:grpSpPr>
+        <a:xfrm>
+          <a:off x="0" y="0"/>
+          <a:ext cx="0" cy="0"/>
+          <a:chOff x="0" y="0"/>
+          <a:chExt cx="0" cy="0"/>
+        </a:xfrm>
+      </p:grpSpPr>
+      <p:sp>
+        <p:nvSpPr>
+          <p:cNvPr id="2" name="Slide Image Placeholder 1"/>
+          <p:cNvSpPr>
+            <a:spLocks noGrp="1" noRot="1" noChangeAspect="1"/>
+          </p:cNvSpPr>
+          <p:nvPr>
+            <p:ph type="sldImg"/>
+          </p:nvPr>
+        </p:nvSpPr>
+        <p:spPr/>
+      </p:sp>
+      <p:sp>
+        <p:nvSpPr>
+          <p:cNvPr id="3" name="Notes Placeholder 2"/>
+          <p:cNvSpPr>
+            <a:spLocks noGrp="1"/>
+          </p:cNvSpPr>
+          <p:nvPr>
+            <p:ph type="body" idx="1"/>
+          </p:nvPr>
+        </p:nvSpPr>
+        <p:spPr/>
+        <p:txBody>
+          <a:bodyPr/>
+          <a:lstStyle/>
+          <a:p>
+            <a:r>
+              <a:rPr lang="en-US" dirty="0" smtClean="0"/>
+              <a:t>Create 3 tables: </a:t>
+            </a:r>
+          </a:p>
+          <a:p>
+            <a:r>
+              <a:rPr lang="en-US" dirty="0" err="1" smtClean="0"/>
+              <a:t>ACMG_Disease</a:t>
+            </a:r>
+            <a:r>
+              <a:rPr lang="en-US" dirty="0" smtClean="0"/>
+              <a:t>:</a:t>
+            </a:r>
+            <a:r>
+              <a:rPr lang="en-US" baseline="0" dirty="0" smtClean="0"/>
+              <a:t> Disease/Gene/</a:t>
+            </a:r>
+            <a:r>
+              <a:rPr lang="en-US" baseline="0" dirty="0" err="1" smtClean="0"/>
+              <a:t>Chrom</a:t>
+            </a:r>
+            <a:r>
+              <a:rPr lang="en-US" baseline="0" dirty="0" smtClean="0"/>
+              <a:t>/Start/End/</a:t>
+            </a:r>
+            <a:r>
+              <a:rPr lang="en-US" baseline="0" dirty="0" err="1" smtClean="0"/>
+              <a:t>Refgene</a:t>
+            </a:r>
+            <a:r>
+              <a:rPr lang="en-US" baseline="0" dirty="0" smtClean="0"/>
+              <a:t> entry</a:t>
+            </a:r>
+          </a:p>
+          <a:p>
+            <a:r>
+              <a:rPr lang="en-US" baseline="0" dirty="0" err="1" smtClean="0"/>
+              <a:t>ACMG_Lit</a:t>
+            </a:r>
+            <a:r>
+              <a:rPr lang="en-US" baseline="0" dirty="0" smtClean="0"/>
+              <a:t>: Disease/</a:t>
+            </a:r>
+            <a:r>
+              <a:rPr lang="en-US" baseline="0" dirty="0" err="1" smtClean="0"/>
+              <a:t>Prev</a:t>
+            </a:r>
+            <a:r>
+              <a:rPr lang="en-US" baseline="0" dirty="0" smtClean="0"/>
+              <a:t>/Cit</a:t>
+            </a:r>
+          </a:p>
+          <a:p>
+            <a:endParaRPr lang="en-US" dirty="0"/>
+          </a:p>
+        </p:txBody>
+      </p:sp>
+      <p:sp>
+        <p:nvSpPr>
+          <p:cNvPr id="4" name="Slide Number Placeholder 3"/>
+          <p:cNvSpPr>
+            <a:spLocks noGrp="1"/>
+          </p:cNvSpPr>
+          <p:nvPr>
+            <p:ph type="sldNum" sz="quarter" idx="10"/>
+          </p:nvPr>
+        </p:nvSpPr>
+        <p:spPr/>
+        <p:txBody>
+          <a:bodyPr/>
+          <a:lstStyle/>
+          <a:p>
+            <a:fld id="{25C42793-7F5C-AB45-B574-3F3F52858E7D}" type="slidenum">
+              <a:rPr lang="en-US" smtClean="0"/>
+              <a:t>9</a:t>
+            </a:fld>
+            <a:endParaRPr lang="en-US"/>
+          </a:p>
+        </p:txBody>
+      </p:sp>
+    </p:spTree>
+    <p:extLst>
+      <p:ext uri="{BB962C8B-B14F-4D97-AF65-F5344CB8AC3E}">
+        <p14:creationId xmlns:p14="http://schemas.microsoft.com/office/powerpoint/2010/main" val="871040424"/>
+      </p:ext>
+    </p:extLst>
+  </p:cSld>
+  <p:clrMapOvr>
+    <a:masterClrMapping/>
+  </p:clrMapOvr>
+</p:notes>
+</file>
+
+<file path=ppt/notesSlides/notesSlide6.xml><?xml version="1.0" encoding="utf-8"?>
+<p:notes xmlns:a="http://schemas.openxmlformats.org/drawingml/2006/main" xmlns:r="http://schemas.openxmlformats.org/officeDocument/2006/relationships" xmlns:p="http://schemas.openxmlformats.org/presentationml/2006/main">
+  <p:cSld>
+    <p:spTree>
+      <p:nvGrpSpPr>
+        <p:cNvPr id="1" name=""/>
+        <p:cNvGrpSpPr/>
+        <p:nvPr/>
+      </p:nvGrpSpPr>
+      <p:grpSpPr>
+        <a:xfrm>
+          <a:off x="0" y="0"/>
+          <a:ext cx="0" cy="0"/>
+          <a:chOff x="0" y="0"/>
+          <a:chExt cx="0" cy="0"/>
+        </a:xfrm>
+      </p:grpSpPr>
+      <p:sp>
+        <p:nvSpPr>
+          <p:cNvPr id="2" name="Slide Image Placeholder 1"/>
+          <p:cNvSpPr>
+            <a:spLocks noGrp="1" noRot="1" noChangeAspect="1"/>
+          </p:cNvSpPr>
+          <p:nvPr>
+            <p:ph type="sldImg"/>
+          </p:nvPr>
+        </p:nvSpPr>
+        <p:spPr/>
+      </p:sp>
+      <p:sp>
+        <p:nvSpPr>
+          <p:cNvPr id="3" name="Notes Placeholder 2"/>
+          <p:cNvSpPr>
+            <a:spLocks noGrp="1"/>
+          </p:cNvSpPr>
+          <p:nvPr>
+            <p:ph type="body" idx="1"/>
+          </p:nvPr>
+        </p:nvSpPr>
+        <p:spPr/>
+        <p:txBody>
+          <a:bodyPr/>
+          <a:lstStyle/>
+          <a:p>
+            <a:endParaRPr lang="en-US" dirty="0"/>
+          </a:p>
+        </p:txBody>
+      </p:sp>
+      <p:sp>
+        <p:nvSpPr>
+          <p:cNvPr id="4" name="Slide Number Placeholder 3"/>
+          <p:cNvSpPr>
+            <a:spLocks noGrp="1"/>
+          </p:cNvSpPr>
+          <p:nvPr>
+            <p:ph type="sldNum" sz="quarter" idx="10"/>
+          </p:nvPr>
+        </p:nvSpPr>
+        <p:spPr/>
+        <p:txBody>
+          <a:bodyPr/>
+          <a:lstStyle/>
+          <a:p>
+            <a:fld id="{25C42793-7F5C-AB45-B574-3F3F52858E7D}" type="slidenum">
+              <a:rPr lang="en-US" smtClean="0"/>
+              <a:t>11</a:t>
+            </a:fld>
+            <a:endParaRPr lang="en-US"/>
+          </a:p>
+        </p:txBody>
+      </p:sp>
+    </p:spTree>
+    <p:extLst>
+      <p:ext uri="{BB962C8B-B14F-4D97-AF65-F5344CB8AC3E}">
+        <p14:creationId xmlns:p14="http://schemas.microsoft.com/office/powerpoint/2010/main" val="483787912"/>
       </p:ext>
     </p:extLst>
   </p:cSld>
@@ -3491,6 +4059,13 @@
   <p:clrMapOvr>
     <a:masterClrMapping/>
   </p:clrMapOvr>
+  <p:timing>
+    <p:tnLst>
+      <p:par>
+        <p:cTn id="1" dur="indefinite" restart="never" nodeType="tmRoot"/>
+      </p:par>
+    </p:tnLst>
+  </p:timing>
 </p:sld>
 </file>
 
@@ -3596,9 +4171,6 @@
             <a:endParaRPr lang="en-US" dirty="0" smtClean="0"/>
           </a:p>
           <a:p>
-            <a:endParaRPr lang="en-US" dirty="0"/>
-          </a:p>
-          <a:p>
             <a:endParaRPr lang="en-US" dirty="0" smtClean="0"/>
           </a:p>
           <a:p>
@@ -3633,8 +4205,8 @@
         </p:blipFill>
         <p:spPr>
           <a:xfrm>
-            <a:off x="1019331" y="1943881"/>
-            <a:ext cx="6726769" cy="3851890"/>
+            <a:off x="1019332" y="1943882"/>
+            <a:ext cx="6212082" cy="3437588"/>
           </a:xfrm>
           <a:prstGeom prst="rect">
             <a:avLst/>
@@ -3651,6 +4223,13 @@
   <p:clrMapOvr>
     <a:masterClrMapping/>
   </p:clrMapOvr>
+  <p:timing>
+    <p:tnLst>
+      <p:par>
+        <p:cTn id="1" dur="indefinite" restart="never" nodeType="tmRoot"/>
+      </p:par>
+    </p:tnLst>
+  </p:timing>
 </p:sld>
 </file>
 
@@ -3724,11 +4303,7 @@
           <a:p>
             <a:r>
               <a:rPr lang="en-US" dirty="0" smtClean="0"/>
-              <a:t>What was the issue with allele frequency again</a:t>
-            </a:r>
-            <a:r>
-              <a:rPr lang="en-US" smtClean="0"/>
-              <a:t>? </a:t>
+              <a:t>What was the issue with allele frequency again? </a:t>
             </a:r>
           </a:p>
           <a:p>
@@ -3739,6 +4314,29 @@
           </a:p>
         </p:txBody>
       </p:sp>
+      <p:pic>
+        <p:nvPicPr>
+          <p:cNvPr id="4" name="Picture 3"/>
+          <p:cNvPicPr>
+            <a:picLocks noChangeAspect="1"/>
+          </p:cNvPicPr>
+          <p:nvPr/>
+        </p:nvPicPr>
+        <p:blipFill rotWithShape="1">
+          <a:blip r:embed="rId3"/>
+          <a:srcRect l="13470" r="221"/>
+          <a:stretch/>
+        </p:blipFill>
+        <p:spPr>
+          <a:xfrm>
+            <a:off x="1226634" y="2357864"/>
+            <a:ext cx="5787484" cy="2387600"/>
+          </a:xfrm>
+          <a:prstGeom prst="rect">
+            <a:avLst/>
+          </a:prstGeom>
+        </p:spPr>
+      </p:pic>
     </p:spTree>
     <p:extLst>
       <p:ext uri="{BB962C8B-B14F-4D97-AF65-F5344CB8AC3E}">
@@ -3749,6 +4347,13 @@
   <p:clrMapOvr>
     <a:masterClrMapping/>
   </p:clrMapOvr>
+  <p:timing>
+    <p:tnLst>
+      <p:par>
+        <p:cTn id="1" dur="indefinite" restart="never" nodeType="tmRoot"/>
+      </p:par>
+    </p:tnLst>
+  </p:timing>
 </p:sld>
 </file>
 
@@ -3869,6 +4474,13 @@
   <p:clrMapOvr>
     <a:masterClrMapping/>
   </p:clrMapOvr>
+  <p:timing>
+    <p:tnLst>
+      <p:par>
+        <p:cTn id="1" dur="indefinite" restart="never" nodeType="tmRoot"/>
+      </p:par>
+    </p:tnLst>
+  </p:timing>
 </p:sld>
 </file>
 
@@ -4014,6 +4626,13 @@
   <p:clrMapOvr>
     <a:masterClrMapping/>
   </p:clrMapOvr>
+  <p:timing>
+    <p:tnLst>
+      <p:par>
+        <p:cTn id="1" dur="indefinite" restart="never" nodeType="tmRoot"/>
+      </p:par>
+    </p:tnLst>
+  </p:timing>
 </p:sld>
 </file>
 
@@ -4184,6 +4803,13 @@
   <p:clrMapOvr>
     <a:masterClrMapping/>
   </p:clrMapOvr>
+  <p:timing>
+    <p:tnLst>
+      <p:par>
+        <p:cTn id="1" dur="indefinite" restart="never" nodeType="tmRoot"/>
+      </p:par>
+    </p:tnLst>
+  </p:timing>
 </p:sld>
 </file>
 
@@ -4339,6 +4965,13 @@
   <p:clrMapOvr>
     <a:masterClrMapping/>
   </p:clrMapOvr>
+  <p:timing>
+    <p:tnLst>
+      <p:par>
+        <p:cTn id="1" dur="indefinite" restart="never" nodeType="tmRoot"/>
+      </p:par>
+    </p:tnLst>
+  </p:timing>
 </p:sld>
 </file>
 
@@ -4583,6 +5216,13 @@
   <p:clrMapOvr>
     <a:masterClrMapping/>
   </p:clrMapOvr>
+  <p:timing>
+    <p:tnLst>
+      <p:par>
+        <p:cTn id="1" dur="indefinite" restart="never" nodeType="tmRoot"/>
+      </p:par>
+    </p:tnLst>
+  </p:timing>
 </p:sld>
 </file>
 
@@ -4890,6 +5530,13 @@
   <p:clrMapOvr>
     <a:masterClrMapping/>
   </p:clrMapOvr>
+  <p:timing>
+    <p:tnLst>
+      <p:par>
+        <p:cTn id="1" dur="indefinite" restart="never" nodeType="tmRoot"/>
+      </p:par>
+    </p:tnLst>
+  </p:timing>
 </p:sld>
 </file>
 
@@ -4994,7 +5641,7 @@
           <p:nvPr/>
         </p:nvPicPr>
         <p:blipFill>
-          <a:blip r:embed="rId2"/>
+          <a:blip r:embed="rId3"/>
           <a:stretch>
             <a:fillRect/>
           </a:stretch>
@@ -5070,6 +5717,13 @@
   <p:clrMapOvr>
     <a:masterClrMapping/>
   </p:clrMapOvr>
+  <p:timing>
+    <p:tnLst>
+      <p:par>
+        <p:cTn id="1" dur="indefinite" restart="never" nodeType="tmRoot"/>
+      </p:par>
+    </p:tnLst>
+  </p:timing>
 </p:sld>
 </file>
 
@@ -5257,7 +5911,7 @@
           <p:nvPr/>
         </p:nvPicPr>
         <p:blipFill>
-          <a:blip r:embed="rId2"/>
+          <a:blip r:embed="rId3"/>
           <a:stretch>
             <a:fillRect/>
           </a:stretch>
@@ -5282,6 +5936,13 @@
   <p:clrMapOvr>
     <a:masterClrMapping/>
   </p:clrMapOvr>
+  <p:timing>
+    <p:tnLst>
+      <p:par>
+        <p:cTn id="1" dur="indefinite" restart="never" nodeType="tmRoot"/>
+      </p:par>
+    </p:tnLst>
+  </p:timing>
 </p:sld>
 </file>
 
